--- a/2D 게임 프로그래밍 1차발표.pptx
+++ b/2D 게임 프로그래밍 1차발표.pptx
@@ -108,6 +108,11 @@
       </a:defRPr>
     </a:lvl9pPr>
   </p:defaultTextStyle>
+  <p:extLst>
+    <p:ext uri="{EFAFB233-063F-42B5-8137-9DF3F51BA10A}">
+      <p15:sldGuideLst xmlns:p15="http://schemas.microsoft.com/office/powerpoint/2012/main"/>
+    </p:ext>
+  </p:extLst>
 </p:presentation>
 </file>
 
@@ -5722,6 +5727,36 @@
           <a:chExt cx="0" cy="0"/>
         </a:xfrm>
       </p:grpSpPr>
+      <p:pic>
+        <p:nvPicPr>
+          <p:cNvPr id="5" name="그림 4"/>
+          <p:cNvPicPr>
+            <a:picLocks noChangeAspect="1"/>
+          </p:cNvPicPr>
+          <p:nvPr/>
+        </p:nvPicPr>
+        <p:blipFill>
+          <a:blip r:embed="rId2">
+            <a:extLst>
+              <a:ext uri="{28A0092B-C50C-407E-A947-70E740481C1C}">
+                <a14:useLocalDpi xmlns:a14="http://schemas.microsoft.com/office/drawing/2010/main" val="0"/>
+              </a:ext>
+            </a:extLst>
+          </a:blip>
+          <a:stretch>
+            <a:fillRect/>
+          </a:stretch>
+        </p:blipFill>
+        <p:spPr>
+          <a:xfrm>
+            <a:off x="0" y="0"/>
+            <a:ext cx="12192000" cy="6858000"/>
+          </a:xfrm>
+          <a:prstGeom prst="rect">
+            <a:avLst/>
+          </a:prstGeom>
+        </p:spPr>
+      </p:pic>
       <p:sp>
         <p:nvSpPr>
           <p:cNvPr id="2" name="제목 1"/>
@@ -5732,11 +5767,17 @@
             <p:ph type="ctrTitle"/>
           </p:nvPr>
         </p:nvSpPr>
-        <p:spPr/>
+        <p:spPr>
+          <a:xfrm>
+            <a:off x="3502024" y="0"/>
+            <a:ext cx="8676222" cy="3200400"/>
+          </a:xfrm>
+        </p:spPr>
         <p:txBody>
           <a:bodyPr/>
           <a:lstStyle/>
           <a:p>
+            <a:pPr algn="r"/>
             <a:r>
               <a:rPr lang="en-US" altLang="ko-KR" dirty="0" smtClean="0">
                 <a:latin typeface="HY견명조" panose="02030600000101010101" pitchFamily="18" charset="-127"/>
@@ -5830,8 +5871,8 @@
         </p:nvSpPr>
         <p:spPr>
           <a:xfrm>
-            <a:off x="1751012" y="2583713"/>
-            <a:ext cx="8676222" cy="3487478"/>
+            <a:off x="1751011" y="2583713"/>
+            <a:ext cx="10264525" cy="3487478"/>
           </a:xfrm>
         </p:spPr>
         <p:txBody>
@@ -6682,38 +6723,1108 @@
             <p:ph type="title"/>
           </p:nvPr>
         </p:nvSpPr>
-        <p:spPr/>
+        <p:spPr>
+          <a:xfrm>
+            <a:off x="1141413" y="24063"/>
+            <a:ext cx="9905998" cy="1905000"/>
+          </a:xfrm>
+        </p:spPr>
         <p:txBody>
           <a:bodyPr/>
           <a:lstStyle/>
           <a:p>
             <a:r>
               <a:rPr lang="ko-KR" altLang="en-US" dirty="0" smtClean="0"/>
-              <a:t>개발 범위</a:t>
-            </a:r>
+              <a:t>개발 </a:t>
+            </a:r>
+            <a:r>
+              <a:rPr lang="ko-KR" altLang="en-US" dirty="0" smtClean="0"/>
+              <a:t>범위</a:t>
+            </a:r>
+            <a:r>
+              <a:rPr lang="en-US" altLang="ko-KR" dirty="0" smtClean="0"/>
+              <a:t/>
+            </a:r>
+            <a:br>
+              <a:rPr lang="en-US" altLang="ko-KR" dirty="0" smtClean="0"/>
+            </a:br>
+            <a:r>
+              <a:rPr lang="en-US" altLang="ko-KR" dirty="0" smtClean="0"/>
+              <a:t/>
+            </a:r>
+            <a:br>
+              <a:rPr lang="en-US" altLang="ko-KR" dirty="0" smtClean="0"/>
+            </a:br>
             <a:endParaRPr lang="ko-KR" altLang="en-US" dirty="0"/>
           </a:p>
         </p:txBody>
       </p:sp>
-      <p:sp>
-        <p:nvSpPr>
-          <p:cNvPr id="3" name="내용 개체 틀 2"/>
-          <p:cNvSpPr>
-            <a:spLocks noGrp="1"/>
-          </p:cNvSpPr>
+      <p:graphicFrame>
+        <p:nvGraphicFramePr>
+          <p:cNvPr id="4" name="내용 개체 틀 3"/>
+          <p:cNvGraphicFramePr>
+            <a:graphicFrameLocks noGrp="1"/>
+          </p:cNvGraphicFramePr>
           <p:nvPr>
             <p:ph idx="1"/>
-          </p:nvPr>
-        </p:nvSpPr>
-        <p:spPr/>
-        <p:txBody>
-          <a:bodyPr/>
-          <a:lstStyle/>
-          <a:p>
-            <a:endParaRPr lang="ko-KR" altLang="en-US"/>
-          </a:p>
-        </p:txBody>
-      </p:sp>
+            <p:extLst>
+              <p:ext uri="{D42A27DB-BD31-4B8C-83A1-F6EECF244321}">
+                <p14:modId xmlns:p14="http://schemas.microsoft.com/office/powerpoint/2010/main" val="1997979237"/>
+              </p:ext>
+            </p:extLst>
+          </p:nvPr>
+        </p:nvGraphicFramePr>
+        <p:xfrm>
+          <a:off x="1141411" y="854242"/>
+          <a:ext cx="9906000" cy="5933440"/>
+        </p:xfrm>
+        <a:graphic>
+          <a:graphicData uri="http://schemas.openxmlformats.org/drawingml/2006/table">
+            <a:tbl>
+              <a:tblPr firstRow="1" bandRow="1">
+                <a:tableStyleId>{5C22544A-7EE6-4342-B048-85BDC9FD1C3A}</a:tableStyleId>
+              </a:tblPr>
+              <a:tblGrid>
+                <a:gridCol w="2409861">
+                  <a:extLst>
+                    <a:ext uri="{9D8B030D-6E8A-4147-A177-3AD203B41FA5}">
+                      <a16:colId xmlns:a16="http://schemas.microsoft.com/office/drawing/2014/main" val="2744501778"/>
+                    </a:ext>
+                  </a:extLst>
+                </a:gridCol>
+                <a:gridCol w="4497573">
+                  <a:extLst>
+                    <a:ext uri="{9D8B030D-6E8A-4147-A177-3AD203B41FA5}">
+                      <a16:colId xmlns:a16="http://schemas.microsoft.com/office/drawing/2014/main" val="523984862"/>
+                    </a:ext>
+                  </a:extLst>
+                </a:gridCol>
+                <a:gridCol w="2998566">
+                  <a:extLst>
+                    <a:ext uri="{9D8B030D-6E8A-4147-A177-3AD203B41FA5}">
+                      <a16:colId xmlns:a16="http://schemas.microsoft.com/office/drawing/2014/main" val="3861150230"/>
+                    </a:ext>
+                  </a:extLst>
+                </a:gridCol>
+              </a:tblGrid>
+              <a:tr h="370840">
+                <a:tc>
+                  <a:txBody>
+                    <a:bodyPr/>
+                    <a:lstStyle/>
+                    <a:p>
+                      <a:pPr latinLnBrk="1"/>
+                      <a:r>
+                        <a:rPr lang="ko-KR" altLang="en-US" dirty="0" smtClean="0"/>
+                        <a:t>내용</a:t>
+                      </a:r>
+                      <a:endParaRPr lang="ko-KR" altLang="en-US" dirty="0"/>
+                    </a:p>
+                  </a:txBody>
+                  <a:tcPr/>
+                </a:tc>
+                <a:tc>
+                  <a:txBody>
+                    <a:bodyPr/>
+                    <a:lstStyle/>
+                    <a:p>
+                      <a:pPr latinLnBrk="1"/>
+                      <a:r>
+                        <a:rPr lang="ko-KR" altLang="en-US" dirty="0" smtClean="0"/>
+                        <a:t>최소 범위</a:t>
+                      </a:r>
+                      <a:endParaRPr lang="ko-KR" altLang="en-US" dirty="0"/>
+                    </a:p>
+                  </a:txBody>
+                  <a:tcPr/>
+                </a:tc>
+                <a:tc>
+                  <a:txBody>
+                    <a:bodyPr/>
+                    <a:lstStyle/>
+                    <a:p>
+                      <a:pPr latinLnBrk="1"/>
+                      <a:r>
+                        <a:rPr lang="ko-KR" altLang="en-US" dirty="0" smtClean="0"/>
+                        <a:t>추가 범위</a:t>
+                      </a:r>
+                      <a:endParaRPr lang="ko-KR" altLang="en-US" dirty="0"/>
+                    </a:p>
+                  </a:txBody>
+                  <a:tcPr/>
+                </a:tc>
+                <a:extLst>
+                  <a:ext uri="{0D108BD9-81ED-4DB2-BD59-A6C34878D82A}">
+                    <a16:rowId xmlns:a16="http://schemas.microsoft.com/office/drawing/2014/main" val="2636349645"/>
+                  </a:ext>
+                </a:extLst>
+              </a:tr>
+              <a:tr h="282875">
+                <a:tc>
+                  <a:txBody>
+                    <a:bodyPr/>
+                    <a:lstStyle/>
+                    <a:p>
+                      <a:pPr latinLnBrk="1"/>
+                      <a:r>
+                        <a:rPr lang="ko-KR" altLang="en-US" sz="1400" dirty="0" smtClean="0"/>
+                        <a:t>캐릭터 컨트롤</a:t>
+                      </a:r>
+                      <a:endParaRPr lang="ko-KR" altLang="en-US" sz="1400" dirty="0"/>
+                    </a:p>
+                  </a:txBody>
+                  <a:tcPr/>
+                </a:tc>
+                <a:tc>
+                  <a:txBody>
+                    <a:bodyPr/>
+                    <a:lstStyle/>
+                    <a:p>
+                      <a:pPr latinLnBrk="1"/>
+                      <a:r>
+                        <a:rPr lang="ko-KR" altLang="en-US" sz="1400" dirty="0" smtClean="0"/>
+                        <a:t>키보드로 이동</a:t>
+                      </a:r>
+                      <a:r>
+                        <a:rPr lang="en-US" altLang="ko-KR" sz="1400" dirty="0" smtClean="0"/>
+                        <a:t>, </a:t>
+                      </a:r>
+                      <a:r>
+                        <a:rPr lang="ko-KR" altLang="en-US" sz="1400" dirty="0" err="1" smtClean="0"/>
+                        <a:t>대쉬</a:t>
+                      </a:r>
+                      <a:r>
+                        <a:rPr lang="ko-KR" altLang="en-US" sz="1400" dirty="0" smtClean="0"/>
+                        <a:t> 기능</a:t>
+                      </a:r>
+                      <a:r>
+                        <a:rPr lang="en-US" altLang="ko-KR" sz="1400" dirty="0" smtClean="0"/>
+                        <a:t>, </a:t>
+                      </a:r>
+                      <a:r>
+                        <a:rPr lang="ko-KR" altLang="en-US" sz="1400" dirty="0" smtClean="0"/>
+                        <a:t>위쪽 방향키로 점프</a:t>
+                      </a:r>
+                      <a:endParaRPr lang="ko-KR" altLang="en-US" sz="1400" dirty="0"/>
+                    </a:p>
+                  </a:txBody>
+                  <a:tcPr/>
+                </a:tc>
+                <a:tc>
+                  <a:txBody>
+                    <a:bodyPr/>
+                    <a:lstStyle/>
+                    <a:p>
+                      <a:pPr latinLnBrk="1"/>
+                      <a:endParaRPr lang="ko-KR" altLang="en-US" sz="1400" dirty="0"/>
+                    </a:p>
+                  </a:txBody>
+                  <a:tcPr/>
+                </a:tc>
+                <a:extLst>
+                  <a:ext uri="{0D108BD9-81ED-4DB2-BD59-A6C34878D82A}">
+                    <a16:rowId xmlns:a16="http://schemas.microsoft.com/office/drawing/2014/main" val="3632948298"/>
+                  </a:ext>
+                </a:extLst>
+              </a:tr>
+              <a:tr h="370840">
+                <a:tc>
+                  <a:txBody>
+                    <a:bodyPr/>
+                    <a:lstStyle/>
+                    <a:p>
+                      <a:pPr latinLnBrk="1"/>
+                      <a:r>
+                        <a:rPr lang="ko-KR" altLang="en-US" dirty="0" smtClean="0"/>
+                        <a:t>캐릭터 기술</a:t>
+                      </a:r>
+                      <a:endParaRPr lang="ko-KR" altLang="en-US" dirty="0"/>
+                    </a:p>
+                  </a:txBody>
+                  <a:tcPr/>
+                </a:tc>
+                <a:tc>
+                  <a:txBody>
+                    <a:bodyPr/>
+                    <a:lstStyle/>
+                    <a:p>
+                      <a:pPr latinLnBrk="1"/>
+                      <a:r>
+                        <a:rPr lang="en-US" altLang="ko-KR" dirty="0" smtClean="0"/>
+                        <a:t>Z</a:t>
+                      </a:r>
+                      <a:r>
+                        <a:rPr lang="ko-KR" altLang="en-US" dirty="0" smtClean="0"/>
+                        <a:t>키 </a:t>
+                      </a:r>
+                      <a:r>
+                        <a:rPr lang="ko-KR" altLang="en-US" dirty="0" err="1" smtClean="0"/>
+                        <a:t>입력시</a:t>
+                      </a:r>
+                      <a:r>
+                        <a:rPr lang="ko-KR" altLang="en-US" dirty="0" smtClean="0"/>
+                        <a:t> 공격</a:t>
+                      </a:r>
+                      <a:r>
+                        <a:rPr lang="en-US" altLang="ko-KR" dirty="0" smtClean="0"/>
+                        <a:t>, </a:t>
+                      </a:r>
+                      <a:r>
+                        <a:rPr lang="ko-KR" altLang="en-US" dirty="0" smtClean="0"/>
+                        <a:t>스킬 사용시 광범위 공격</a:t>
+                      </a:r>
+                      <a:endParaRPr lang="ko-KR" altLang="en-US" dirty="0"/>
+                    </a:p>
+                  </a:txBody>
+                  <a:tcPr/>
+                </a:tc>
+                <a:tc>
+                  <a:txBody>
+                    <a:bodyPr/>
+                    <a:lstStyle/>
+                    <a:p>
+                      <a:pPr latinLnBrk="1"/>
+                      <a:r>
+                        <a:rPr lang="en-US" altLang="ko-KR" dirty="0" smtClean="0"/>
+                        <a:t>Z</a:t>
+                      </a:r>
+                      <a:r>
+                        <a:rPr lang="ko-KR" altLang="en-US" dirty="0" smtClean="0"/>
+                        <a:t>키 연타로 콤보 구현</a:t>
+                      </a:r>
+                      <a:endParaRPr lang="ko-KR" altLang="en-US" dirty="0"/>
+                    </a:p>
+                  </a:txBody>
+                  <a:tcPr/>
+                </a:tc>
+                <a:extLst>
+                  <a:ext uri="{0D108BD9-81ED-4DB2-BD59-A6C34878D82A}">
+                    <a16:rowId xmlns:a16="http://schemas.microsoft.com/office/drawing/2014/main" val="2382386284"/>
+                  </a:ext>
+                </a:extLst>
+              </a:tr>
+              <a:tr h="264962">
+                <a:tc>
+                  <a:txBody>
+                    <a:bodyPr/>
+                    <a:lstStyle/>
+                    <a:p>
+                      <a:pPr latinLnBrk="1"/>
+                      <a:r>
+                        <a:rPr lang="ko-KR" altLang="en-US" dirty="0" smtClean="0"/>
+                        <a:t>맵</a:t>
+                      </a:r>
+                      <a:endParaRPr lang="ko-KR" altLang="en-US" dirty="0"/>
+                    </a:p>
+                  </a:txBody>
+                  <a:tcPr/>
+                </a:tc>
+                <a:tc>
+                  <a:txBody>
+                    <a:bodyPr/>
+                    <a:lstStyle/>
+                    <a:p>
+                      <a:pPr latinLnBrk="1"/>
+                      <a:r>
+                        <a:rPr lang="en-US" altLang="ko-KR" sz="1400" dirty="0" smtClean="0"/>
+                        <a:t>3</a:t>
+                      </a:r>
+                      <a:r>
+                        <a:rPr lang="ko-KR" altLang="en-US" sz="1400" dirty="0" smtClean="0"/>
+                        <a:t>개의 스테이지</a:t>
+                      </a:r>
+                      <a:r>
+                        <a:rPr lang="en-US" altLang="ko-KR" sz="1400" dirty="0" smtClean="0"/>
+                        <a:t>.</a:t>
+                      </a:r>
+                    </a:p>
+                    <a:p>
+                      <a:pPr latinLnBrk="1"/>
+                      <a:r>
+                        <a:rPr lang="ko-KR" altLang="en-US" sz="1400" dirty="0" smtClean="0"/>
+                        <a:t>스테이지 당 일반 몬스터가 </a:t>
+                      </a:r>
+                      <a:r>
+                        <a:rPr lang="ko-KR" altLang="en-US" sz="1400" dirty="0" err="1" smtClean="0"/>
+                        <a:t>있는방</a:t>
+                      </a:r>
+                      <a:r>
+                        <a:rPr lang="ko-KR" altLang="en-US" sz="1400" baseline="0" dirty="0" smtClean="0"/>
+                        <a:t> 하나와</a:t>
+                      </a:r>
+                      <a:endParaRPr lang="en-US" altLang="ko-KR" sz="1400" dirty="0" smtClean="0"/>
+                    </a:p>
+                    <a:p>
+                      <a:pPr latinLnBrk="1"/>
+                      <a:r>
+                        <a:rPr lang="ko-KR" altLang="en-US" sz="1400" dirty="0" smtClean="0"/>
+                        <a:t>보스몬스터가 있는 방</a:t>
+                      </a:r>
+                      <a:r>
+                        <a:rPr lang="ko-KR" altLang="en-US" sz="1400" baseline="0" dirty="0" smtClean="0"/>
+                        <a:t> 하나</a:t>
+                      </a:r>
+                      <a:endParaRPr lang="ko-KR" altLang="en-US" sz="1400" dirty="0"/>
+                    </a:p>
+                  </a:txBody>
+                  <a:tcPr/>
+                </a:tc>
+                <a:tc>
+                  <a:txBody>
+                    <a:bodyPr/>
+                    <a:lstStyle/>
+                    <a:p>
+                      <a:pPr latinLnBrk="1"/>
+                      <a:r>
+                        <a:rPr lang="ko-KR" altLang="en-US" dirty="0" err="1" smtClean="0"/>
+                        <a:t>보스방으로</a:t>
+                      </a:r>
+                      <a:r>
+                        <a:rPr lang="ko-KR" altLang="en-US" dirty="0" smtClean="0"/>
+                        <a:t> 가기 전</a:t>
+                      </a:r>
+                      <a:endParaRPr lang="en-US" altLang="ko-KR" dirty="0" smtClean="0"/>
+                    </a:p>
+                    <a:p>
+                      <a:pPr latinLnBrk="1"/>
+                      <a:r>
+                        <a:rPr lang="ko-KR" altLang="en-US" dirty="0" err="1" smtClean="0"/>
+                        <a:t>점프맵</a:t>
+                      </a:r>
+                      <a:r>
+                        <a:rPr lang="ko-KR" altLang="en-US" dirty="0" smtClean="0"/>
+                        <a:t> 구현</a:t>
+                      </a:r>
+                      <a:endParaRPr lang="ko-KR" altLang="en-US" dirty="0"/>
+                    </a:p>
+                  </a:txBody>
+                  <a:tcPr/>
+                </a:tc>
+                <a:extLst>
+                  <a:ext uri="{0D108BD9-81ED-4DB2-BD59-A6C34878D82A}">
+                    <a16:rowId xmlns:a16="http://schemas.microsoft.com/office/drawing/2014/main" val="2141434795"/>
+                  </a:ext>
+                </a:extLst>
+              </a:tr>
+              <a:tr h="370840">
+                <a:tc>
+                  <a:txBody>
+                    <a:bodyPr/>
+                    <a:lstStyle/>
+                    <a:p>
+                      <a:pPr latinLnBrk="1"/>
+                      <a:r>
+                        <a:rPr lang="en-US" altLang="ko-KR" dirty="0" err="1" smtClean="0"/>
+                        <a:t>ui</a:t>
+                      </a:r>
+                      <a:endParaRPr lang="ko-KR" altLang="en-US" dirty="0"/>
+                    </a:p>
+                  </a:txBody>
+                  <a:tcPr/>
+                </a:tc>
+                <a:tc>
+                  <a:txBody>
+                    <a:bodyPr/>
+                    <a:lstStyle/>
+                    <a:p>
+                      <a:pPr marL="0" marR="0" indent="0" algn="l" defTabSz="457200" rtl="0" eaLnBrk="1" fontAlgn="auto" latinLnBrk="1" hangingPunct="1">
+                        <a:lnSpc>
+                          <a:spcPct val="100000"/>
+                        </a:lnSpc>
+                        <a:spcBef>
+                          <a:spcPts val="0"/>
+                        </a:spcBef>
+                        <a:spcAft>
+                          <a:spcPts val="0"/>
+                        </a:spcAft>
+                        <a:buClrTx/>
+                        <a:buSzTx/>
+                        <a:buFontTx/>
+                        <a:buNone/>
+                        <a:tabLst/>
+                        <a:defRPr/>
+                      </a:pPr>
+                      <a:r>
+                        <a:rPr lang="ko-KR" altLang="en-US" dirty="0" smtClean="0"/>
+                        <a:t>좌측 상단에 </a:t>
+                      </a:r>
+                      <a:r>
+                        <a:rPr lang="en-US" altLang="ko-KR" dirty="0" err="1" smtClean="0"/>
+                        <a:t>hp</a:t>
+                      </a:r>
+                      <a:r>
+                        <a:rPr lang="en-US" altLang="ko-KR" dirty="0" smtClean="0"/>
+                        <a:t>, </a:t>
+                      </a:r>
+                      <a:r>
+                        <a:rPr lang="en-US" altLang="ko-KR" dirty="0" err="1" smtClean="0"/>
+                        <a:t>mp</a:t>
+                      </a:r>
+                      <a:r>
+                        <a:rPr lang="ko-KR" altLang="en-US" dirty="0" smtClean="0"/>
+                        <a:t>표시</a:t>
+                      </a:r>
+                    </a:p>
+                  </a:txBody>
+                  <a:tcPr/>
+                </a:tc>
+                <a:tc>
+                  <a:txBody>
+                    <a:bodyPr/>
+                    <a:lstStyle/>
+                    <a:p>
+                      <a:pPr latinLnBrk="1"/>
+                      <a:r>
+                        <a:rPr lang="ko-KR" altLang="en-US" sz="1600" dirty="0" smtClean="0"/>
+                        <a:t>스킬 사용 시 우측하단에 </a:t>
+                      </a:r>
+                      <a:endParaRPr lang="en-US" altLang="ko-KR" sz="1600" dirty="0" smtClean="0"/>
+                    </a:p>
+                    <a:p>
+                      <a:pPr latinLnBrk="1"/>
+                      <a:r>
+                        <a:rPr lang="ko-KR" altLang="en-US" sz="1600" dirty="0" smtClean="0"/>
+                        <a:t>캐릭터의 모습이 잠깐 나타남 </a:t>
+                      </a:r>
+                      <a:endParaRPr lang="ko-KR" altLang="en-US" sz="1600" dirty="0"/>
+                    </a:p>
+                  </a:txBody>
+                  <a:tcPr/>
+                </a:tc>
+                <a:extLst>
+                  <a:ext uri="{0D108BD9-81ED-4DB2-BD59-A6C34878D82A}">
+                    <a16:rowId xmlns:a16="http://schemas.microsoft.com/office/drawing/2014/main" val="760228445"/>
+                  </a:ext>
+                </a:extLst>
+              </a:tr>
+              <a:tr h="370840">
+                <a:tc>
+                  <a:txBody>
+                    <a:bodyPr/>
+                    <a:lstStyle/>
+                    <a:p>
+                      <a:pPr marL="0" marR="0" indent="0" algn="l" defTabSz="457200" rtl="0" eaLnBrk="1" fontAlgn="auto" latinLnBrk="1" hangingPunct="1">
+                        <a:lnSpc>
+                          <a:spcPct val="100000"/>
+                        </a:lnSpc>
+                        <a:spcBef>
+                          <a:spcPts val="0"/>
+                        </a:spcBef>
+                        <a:spcAft>
+                          <a:spcPts val="0"/>
+                        </a:spcAft>
+                        <a:buClrTx/>
+                        <a:buSzTx/>
+                        <a:buFontTx/>
+                        <a:buNone/>
+                        <a:tabLst/>
+                        <a:defRPr/>
+                      </a:pPr>
+                      <a:r>
+                        <a:rPr lang="ko-KR" altLang="en-US" dirty="0" smtClean="0"/>
+                        <a:t>적 </a:t>
+                      </a:r>
+                      <a:r>
+                        <a:rPr lang="en-US" altLang="ko-KR" dirty="0" err="1" smtClean="0"/>
+                        <a:t>ai</a:t>
+                      </a:r>
+                      <a:endParaRPr lang="ko-KR" altLang="en-US" dirty="0" smtClean="0"/>
+                    </a:p>
+                  </a:txBody>
+                  <a:tcPr/>
+                </a:tc>
+                <a:tc>
+                  <a:txBody>
+                    <a:bodyPr/>
+                    <a:lstStyle/>
+                    <a:p>
+                      <a:pPr latinLnBrk="1"/>
+                      <a:r>
+                        <a:rPr lang="ko-KR" altLang="en-US" sz="1400" dirty="0" smtClean="0"/>
+                        <a:t>디폴트 </a:t>
+                      </a:r>
+                      <a:r>
+                        <a:rPr lang="en-US" altLang="ko-KR" sz="1400" dirty="0" smtClean="0"/>
+                        <a:t>- </a:t>
+                      </a:r>
+                      <a:r>
+                        <a:rPr lang="ko-KR" altLang="en-US" sz="1400" dirty="0" smtClean="0"/>
+                        <a:t>정해진 위치를 돌아다니다가</a:t>
+                      </a:r>
+                      <a:endParaRPr lang="en-US" altLang="ko-KR" sz="1400" dirty="0" smtClean="0"/>
+                    </a:p>
+                    <a:p>
+                      <a:pPr latinLnBrk="1"/>
+                      <a:r>
+                        <a:rPr lang="ko-KR" altLang="en-US" sz="1400" dirty="0" smtClean="0"/>
+                        <a:t> 플레이어가</a:t>
+                      </a:r>
+                      <a:r>
+                        <a:rPr lang="en-US" altLang="ko-KR" sz="1400" baseline="0" dirty="0" smtClean="0"/>
+                        <a:t> </a:t>
+                      </a:r>
+                      <a:r>
+                        <a:rPr lang="ko-KR" altLang="en-US" sz="1400" dirty="0" smtClean="0"/>
+                        <a:t>범위에 들어오면 공격</a:t>
+                      </a:r>
+                      <a:endParaRPr lang="en-US" altLang="ko-KR" sz="1400" dirty="0" smtClean="0"/>
+                    </a:p>
+                    <a:p>
+                      <a:pPr latinLnBrk="1"/>
+                      <a:r>
+                        <a:rPr lang="ko-KR" altLang="en-US" sz="1400" dirty="0" smtClean="0"/>
+                        <a:t>일반</a:t>
+                      </a:r>
+                      <a:r>
+                        <a:rPr lang="ko-KR" altLang="en-US" sz="1400" baseline="0" dirty="0" smtClean="0"/>
+                        <a:t> 몬스터</a:t>
+                      </a:r>
+                      <a:r>
+                        <a:rPr lang="en-US" altLang="ko-KR" sz="1400" baseline="0" dirty="0" smtClean="0"/>
+                        <a:t>) </a:t>
+                      </a:r>
+                      <a:r>
+                        <a:rPr lang="ko-KR" altLang="en-US" sz="1400" baseline="0" dirty="0" smtClean="0"/>
+                        <a:t>근접 혹은 </a:t>
+                      </a:r>
+                      <a:r>
+                        <a:rPr lang="ko-KR" altLang="en-US" sz="1400" baseline="0" dirty="0" err="1" smtClean="0"/>
+                        <a:t>원거리공격</a:t>
+                      </a:r>
+                      <a:r>
+                        <a:rPr lang="ko-KR" altLang="en-US" sz="1400" baseline="0" dirty="0" smtClean="0"/>
+                        <a:t> </a:t>
+                      </a:r>
+                      <a:r>
+                        <a:rPr lang="en-US" altLang="ko-KR" sz="1400" baseline="0" dirty="0" smtClean="0"/>
+                        <a:t>2</a:t>
+                      </a:r>
+                      <a:r>
+                        <a:rPr lang="ko-KR" altLang="en-US" sz="1400" baseline="0" dirty="0" smtClean="0"/>
+                        <a:t>가지 패턴</a:t>
+                      </a:r>
+                      <a:endParaRPr lang="en-US" altLang="ko-KR" sz="1400" baseline="0" dirty="0" smtClean="0"/>
+                    </a:p>
+                    <a:p>
+                      <a:pPr latinLnBrk="1"/>
+                      <a:r>
+                        <a:rPr lang="ko-KR" altLang="en-US" sz="1400" baseline="0" dirty="0" smtClean="0"/>
+                        <a:t>보스 몬스터</a:t>
+                      </a:r>
+                      <a:r>
+                        <a:rPr lang="en-US" altLang="ko-KR" sz="1400" baseline="0" dirty="0" smtClean="0"/>
+                        <a:t>) </a:t>
+                      </a:r>
+                      <a:r>
+                        <a:rPr lang="ko-KR" altLang="en-US" sz="1400" baseline="0" dirty="0" smtClean="0"/>
+                        <a:t>근접공격 </a:t>
+                      </a:r>
+                      <a:r>
+                        <a:rPr lang="en-US" altLang="ko-KR" sz="1400" baseline="0" dirty="0" smtClean="0"/>
+                        <a:t>2</a:t>
+                      </a:r>
+                      <a:r>
+                        <a:rPr lang="ko-KR" altLang="en-US" sz="1400" baseline="0" dirty="0" smtClean="0"/>
+                        <a:t>가지 패턴과</a:t>
+                      </a:r>
+                      <a:endParaRPr lang="en-US" altLang="ko-KR" sz="1400" baseline="0" dirty="0" smtClean="0"/>
+                    </a:p>
+                    <a:p>
+                      <a:pPr latinLnBrk="1"/>
+                      <a:r>
+                        <a:rPr lang="ko-KR" altLang="en-US" sz="1400" baseline="0" dirty="0" smtClean="0"/>
+                        <a:t> 정해진 </a:t>
+                      </a:r>
+                      <a:r>
+                        <a:rPr lang="en-US" altLang="ko-KR" sz="1400" baseline="0" dirty="0" err="1" smtClean="0"/>
+                        <a:t>hp</a:t>
+                      </a:r>
+                      <a:r>
+                        <a:rPr lang="ko-KR" altLang="en-US" sz="1400" baseline="0" dirty="0" smtClean="0"/>
+                        <a:t>이하로 떨어질 때마다 </a:t>
+                      </a:r>
+                      <a:r>
+                        <a:rPr lang="en-US" altLang="ko-KR" sz="1400" baseline="0" dirty="0" smtClean="0"/>
+                        <a:t>‘</a:t>
+                      </a:r>
+                      <a:r>
+                        <a:rPr lang="en-US" altLang="ko-KR" sz="1400" baseline="0" dirty="0" err="1" smtClean="0"/>
+                        <a:t>dager</a:t>
+                      </a:r>
+                      <a:r>
+                        <a:rPr lang="en-US" altLang="ko-KR" sz="1400" baseline="0" dirty="0" smtClean="0"/>
+                        <a:t>’ </a:t>
+                      </a:r>
+                      <a:r>
+                        <a:rPr lang="ko-KR" altLang="en-US" sz="1400" baseline="0" dirty="0" smtClean="0"/>
+                        <a:t>기술 사용</a:t>
+                      </a:r>
+                      <a:endParaRPr lang="en-US" altLang="ko-KR" sz="1400" baseline="0" dirty="0" smtClean="0"/>
+                    </a:p>
+                  </a:txBody>
+                  <a:tcPr/>
+                </a:tc>
+                <a:tc>
+                  <a:txBody>
+                    <a:bodyPr/>
+                    <a:lstStyle/>
+                    <a:p>
+                      <a:pPr marL="0" marR="0" indent="0" algn="l" defTabSz="457200" rtl="0" eaLnBrk="1" fontAlgn="auto" latinLnBrk="1" hangingPunct="1">
+                        <a:lnSpc>
+                          <a:spcPct val="100000"/>
+                        </a:lnSpc>
+                        <a:spcBef>
+                          <a:spcPts val="0"/>
+                        </a:spcBef>
+                        <a:spcAft>
+                          <a:spcPts val="0"/>
+                        </a:spcAft>
+                        <a:buClrTx/>
+                        <a:buSzTx/>
+                        <a:buFontTx/>
+                        <a:buNone/>
+                        <a:tabLst/>
+                        <a:defRPr/>
+                      </a:pPr>
+                      <a:r>
+                        <a:rPr lang="ko-KR" altLang="en-US" sz="1600" baseline="0" dirty="0" smtClean="0"/>
+                        <a:t>플레이어가 멀리 있으면 점프로 접근</a:t>
+                      </a:r>
+                      <a:r>
+                        <a:rPr lang="en-US" altLang="ko-KR" sz="1600" baseline="0" dirty="0" smtClean="0"/>
+                        <a:t>, </a:t>
+                      </a:r>
+                      <a:r>
+                        <a:rPr lang="ko-KR" altLang="en-US" sz="1600" baseline="0" dirty="0" smtClean="0"/>
+                        <a:t>착지 시 플레이어가</a:t>
+                      </a:r>
+                      <a:endParaRPr lang="en-US" altLang="ko-KR" sz="1600" baseline="0" dirty="0" smtClean="0"/>
+                    </a:p>
+                    <a:p>
+                      <a:pPr marL="0" marR="0" indent="0" algn="l" defTabSz="457200" rtl="0" eaLnBrk="1" fontAlgn="auto" latinLnBrk="1" hangingPunct="1">
+                        <a:lnSpc>
+                          <a:spcPct val="100000"/>
+                        </a:lnSpc>
+                        <a:spcBef>
+                          <a:spcPts val="0"/>
+                        </a:spcBef>
+                        <a:spcAft>
+                          <a:spcPts val="0"/>
+                        </a:spcAft>
+                        <a:buClrTx/>
+                        <a:buSzTx/>
+                        <a:buFontTx/>
+                        <a:buNone/>
+                        <a:tabLst/>
+                        <a:defRPr/>
+                      </a:pPr>
+                      <a:r>
+                        <a:rPr lang="ko-KR" altLang="en-US" sz="1600" baseline="0" dirty="0" smtClean="0"/>
+                        <a:t>지면에 있다면 </a:t>
+                      </a:r>
+                      <a:r>
+                        <a:rPr lang="ko-KR" altLang="en-US" sz="1600" baseline="0" dirty="0" err="1" smtClean="0"/>
+                        <a:t>데미지를</a:t>
+                      </a:r>
+                      <a:r>
+                        <a:rPr lang="ko-KR" altLang="en-US" sz="1600" baseline="0" dirty="0" smtClean="0"/>
+                        <a:t> 입힘</a:t>
+                      </a:r>
+                      <a:r>
+                        <a:rPr lang="en-US" altLang="ko-KR" sz="1600" baseline="0" dirty="0" smtClean="0"/>
+                        <a:t>.</a:t>
+                      </a:r>
+                      <a:endParaRPr lang="en-US" altLang="ko-KR" sz="1600" dirty="0" smtClean="0"/>
+                    </a:p>
+                  </a:txBody>
+                  <a:tcPr/>
+                </a:tc>
+                <a:extLst>
+                  <a:ext uri="{0D108BD9-81ED-4DB2-BD59-A6C34878D82A}">
+                    <a16:rowId xmlns:a16="http://schemas.microsoft.com/office/drawing/2014/main" val="1684925573"/>
+                  </a:ext>
+                </a:extLst>
+              </a:tr>
+              <a:tr h="370840">
+                <a:tc>
+                  <a:txBody>
+                    <a:bodyPr/>
+                    <a:lstStyle/>
+                    <a:p>
+                      <a:pPr latinLnBrk="1"/>
+                      <a:r>
+                        <a:rPr lang="ko-KR" altLang="en-US" dirty="0" smtClean="0"/>
+                        <a:t>게임 기능</a:t>
+                      </a:r>
+                      <a:endParaRPr lang="ko-KR" altLang="en-US" dirty="0"/>
+                    </a:p>
+                  </a:txBody>
+                  <a:tcPr/>
+                </a:tc>
+                <a:tc>
+                  <a:txBody>
+                    <a:bodyPr/>
+                    <a:lstStyle/>
+                    <a:p>
+                      <a:pPr latinLnBrk="1"/>
+                      <a:r>
+                        <a:rPr lang="ko-KR" altLang="en-US" sz="1400" dirty="0" err="1" smtClean="0"/>
+                        <a:t>피격시</a:t>
+                      </a:r>
+                      <a:r>
+                        <a:rPr lang="ko-KR" altLang="en-US" sz="1400" dirty="0" smtClean="0"/>
+                        <a:t> </a:t>
+                      </a:r>
+                      <a:r>
+                        <a:rPr lang="en-US" altLang="ko-KR" sz="1400" dirty="0" err="1" smtClean="0"/>
+                        <a:t>hp</a:t>
+                      </a:r>
+                      <a:r>
+                        <a:rPr lang="ko-KR" altLang="en-US" sz="1400" dirty="0" smtClean="0"/>
+                        <a:t> 감소</a:t>
+                      </a:r>
+                      <a:r>
+                        <a:rPr lang="en-US" altLang="ko-KR" sz="1400" dirty="0" smtClean="0"/>
+                        <a:t>, </a:t>
+                      </a:r>
+                      <a:r>
+                        <a:rPr lang="ko-KR" altLang="en-US" sz="1400" dirty="0" smtClean="0"/>
+                        <a:t>스킬 사용 시 </a:t>
+                      </a:r>
+                      <a:r>
+                        <a:rPr lang="en-US" altLang="ko-KR" sz="1400" dirty="0" err="1" smtClean="0"/>
+                        <a:t>mp</a:t>
+                      </a:r>
+                      <a:r>
+                        <a:rPr lang="en-US" altLang="ko-KR" sz="1400" dirty="0" smtClean="0"/>
+                        <a:t> </a:t>
+                      </a:r>
+                      <a:r>
+                        <a:rPr lang="ko-KR" altLang="en-US" sz="1400" dirty="0" smtClean="0"/>
+                        <a:t>감소</a:t>
+                      </a:r>
+                      <a:endParaRPr lang="en-US" altLang="ko-KR" sz="1400" dirty="0" smtClean="0"/>
+                    </a:p>
+                    <a:p>
+                      <a:pPr latinLnBrk="1"/>
+                      <a:r>
+                        <a:rPr lang="ko-KR" altLang="en-US" sz="1400" dirty="0" smtClean="0"/>
+                        <a:t>스킬 사용 중엔 </a:t>
+                      </a:r>
+                      <a:r>
+                        <a:rPr lang="en-US" altLang="ko-KR" sz="1400" dirty="0" err="1" smtClean="0"/>
+                        <a:t>hp</a:t>
+                      </a:r>
+                      <a:r>
+                        <a:rPr lang="ko-KR" altLang="en-US" sz="1400" dirty="0" smtClean="0"/>
+                        <a:t>가 감소하지 않음</a:t>
+                      </a:r>
+                      <a:endParaRPr lang="en-US" altLang="ko-KR" sz="1400" dirty="0" smtClean="0"/>
+                    </a:p>
+                    <a:p>
+                      <a:pPr latinLnBrk="1"/>
+                      <a:r>
+                        <a:rPr lang="ko-KR" altLang="en-US" sz="1400" dirty="0" smtClean="0"/>
+                        <a:t>적을 처치하여 경험치를 얻고</a:t>
+                      </a:r>
+                      <a:r>
+                        <a:rPr lang="en-US" altLang="ko-KR" sz="1400" dirty="0" smtClean="0"/>
+                        <a:t>,</a:t>
+                      </a:r>
+                      <a:r>
+                        <a:rPr lang="en-US" altLang="ko-KR" sz="1400" baseline="0" dirty="0" smtClean="0"/>
+                        <a:t> </a:t>
+                      </a:r>
+                      <a:r>
+                        <a:rPr lang="ko-KR" altLang="en-US" sz="1400" baseline="0" dirty="0" smtClean="0"/>
+                        <a:t>레벨 </a:t>
+                      </a:r>
+                      <a:r>
+                        <a:rPr lang="ko-KR" altLang="en-US" sz="1400" baseline="0" dirty="0" err="1" smtClean="0"/>
+                        <a:t>증가시</a:t>
+                      </a:r>
+                      <a:r>
+                        <a:rPr lang="ko-KR" altLang="en-US" sz="1400" baseline="0" dirty="0" smtClean="0"/>
+                        <a:t> </a:t>
+                      </a:r>
+                      <a:r>
+                        <a:rPr lang="ko-KR" altLang="en-US" sz="1400" baseline="0" dirty="0" err="1" smtClean="0"/>
+                        <a:t>능력치</a:t>
+                      </a:r>
+                      <a:r>
+                        <a:rPr lang="ko-KR" altLang="en-US" sz="1400" baseline="0" dirty="0" smtClean="0"/>
+                        <a:t> 증가</a:t>
+                      </a:r>
+                      <a:endParaRPr lang="en-US" altLang="ko-KR" sz="1400" baseline="0" dirty="0" smtClean="0"/>
+                    </a:p>
+                    <a:p>
+                      <a:pPr latinLnBrk="1"/>
+                      <a:r>
+                        <a:rPr lang="ko-KR" altLang="en-US" sz="1400" baseline="0" dirty="0" smtClean="0"/>
+                        <a:t>보스를 처치하면 스테이지 선택화면으로 돌아오고 다음 스테이지에 도전할 수 </a:t>
+                      </a:r>
+                      <a:r>
+                        <a:rPr lang="ko-KR" altLang="en-US" sz="1400" baseline="0" dirty="0" err="1" smtClean="0"/>
+                        <a:t>있게되는</a:t>
+                      </a:r>
+                      <a:r>
+                        <a:rPr lang="ko-KR" altLang="en-US" sz="1400" baseline="0" dirty="0" smtClean="0"/>
+                        <a:t> 방식</a:t>
+                      </a:r>
+                      <a:endParaRPr lang="ko-KR" altLang="en-US" sz="1400" dirty="0"/>
+                    </a:p>
+                  </a:txBody>
+                  <a:tcPr/>
+                </a:tc>
+                <a:tc>
+                  <a:txBody>
+                    <a:bodyPr/>
+                    <a:lstStyle/>
+                    <a:p>
+                      <a:pPr latinLnBrk="1"/>
+                      <a:r>
+                        <a:rPr lang="ko-KR" altLang="en-US" dirty="0" err="1" smtClean="0"/>
+                        <a:t>넉백</a:t>
+                      </a:r>
+                      <a:r>
+                        <a:rPr lang="ko-KR" altLang="en-US" dirty="0" smtClean="0"/>
+                        <a:t> 시스템 추가</a:t>
+                      </a:r>
+                      <a:endParaRPr lang="ko-KR" altLang="en-US" dirty="0"/>
+                    </a:p>
+                  </a:txBody>
+                  <a:tcPr/>
+                </a:tc>
+                <a:extLst>
+                  <a:ext uri="{0D108BD9-81ED-4DB2-BD59-A6C34878D82A}">
+                    <a16:rowId xmlns:a16="http://schemas.microsoft.com/office/drawing/2014/main" val="2173830044"/>
+                  </a:ext>
+                </a:extLst>
+              </a:tr>
+              <a:tr h="370840">
+                <a:tc>
+                  <a:txBody>
+                    <a:bodyPr/>
+                    <a:lstStyle/>
+                    <a:p>
+                      <a:pPr latinLnBrk="1"/>
+                      <a:r>
+                        <a:rPr lang="ko-KR" altLang="en-US" dirty="0" smtClean="0"/>
+                        <a:t>사운드</a:t>
+                      </a:r>
+                      <a:endParaRPr lang="ko-KR" altLang="en-US" dirty="0"/>
+                    </a:p>
+                  </a:txBody>
+                  <a:tcPr/>
+                </a:tc>
+                <a:tc gridSpan="2">
+                  <a:txBody>
+                    <a:bodyPr/>
+                    <a:lstStyle/>
+                    <a:p>
+                      <a:pPr latinLnBrk="1"/>
+                      <a:r>
+                        <a:rPr lang="ko-KR" altLang="en-US" sz="1400" dirty="0" smtClean="0"/>
+                        <a:t>무기를 휘두르는 소리</a:t>
+                      </a:r>
+                      <a:r>
+                        <a:rPr lang="en-US" altLang="ko-KR" sz="1400" dirty="0" smtClean="0"/>
+                        <a:t>, </a:t>
+                      </a:r>
+                      <a:r>
+                        <a:rPr lang="ko-KR" altLang="en-US" sz="1400" dirty="0" smtClean="0"/>
+                        <a:t>무기에 맞는 소리</a:t>
+                      </a:r>
+                      <a:r>
+                        <a:rPr lang="en-US" altLang="ko-KR" sz="1400" dirty="0" smtClean="0"/>
+                        <a:t>, </a:t>
+                      </a:r>
+                      <a:r>
+                        <a:rPr lang="ko-KR" altLang="en-US" sz="1400" dirty="0" smtClean="0"/>
+                        <a:t>플레이어와 몬스터가 공격할 때</a:t>
+                      </a:r>
+                      <a:r>
+                        <a:rPr lang="en-US" altLang="ko-KR" sz="1400" dirty="0" smtClean="0"/>
+                        <a:t>, </a:t>
+                      </a:r>
+                      <a:r>
+                        <a:rPr lang="ko-KR" altLang="en-US" sz="1400" dirty="0" smtClean="0"/>
+                        <a:t>공격에 맞을 때 </a:t>
+                      </a:r>
+                      <a:endParaRPr lang="en-US" altLang="ko-KR" sz="1400" dirty="0" smtClean="0"/>
+                    </a:p>
+                    <a:p>
+                      <a:pPr latinLnBrk="1"/>
+                      <a:r>
+                        <a:rPr lang="ko-KR" altLang="en-US" sz="1400" dirty="0" smtClean="0"/>
+                        <a:t>스테이지 별 배경음악과 스킬 사운드 등</a:t>
+                      </a:r>
+                      <a:endParaRPr lang="ko-KR" altLang="en-US" sz="1400" dirty="0"/>
+                    </a:p>
+                  </a:txBody>
+                  <a:tcPr/>
+                </a:tc>
+                <a:tc hMerge="1">
+                  <a:txBody>
+                    <a:bodyPr/>
+                    <a:lstStyle/>
+                    <a:p>
+                      <a:pPr latinLnBrk="1"/>
+                      <a:endParaRPr lang="ko-KR" altLang="en-US" dirty="0"/>
+                    </a:p>
+                  </a:txBody>
+                  <a:tcPr/>
+                </a:tc>
+                <a:extLst>
+                  <a:ext uri="{0D108BD9-81ED-4DB2-BD59-A6C34878D82A}">
+                    <a16:rowId xmlns:a16="http://schemas.microsoft.com/office/drawing/2014/main" val="1893324128"/>
+                  </a:ext>
+                </a:extLst>
+              </a:tr>
+              <a:tr h="370840">
+                <a:tc>
+                  <a:txBody>
+                    <a:bodyPr/>
+                    <a:lstStyle/>
+                    <a:p>
+                      <a:pPr latinLnBrk="1"/>
+                      <a:r>
+                        <a:rPr lang="ko-KR" altLang="en-US" dirty="0" smtClean="0"/>
+                        <a:t>애니메이션</a:t>
+                      </a:r>
+                      <a:endParaRPr lang="ko-KR" altLang="en-US" dirty="0"/>
+                    </a:p>
+                  </a:txBody>
+                  <a:tcPr/>
+                </a:tc>
+                <a:tc>
+                  <a:txBody>
+                    <a:bodyPr/>
+                    <a:lstStyle/>
+                    <a:p>
+                      <a:pPr latinLnBrk="1"/>
+                      <a:r>
+                        <a:rPr lang="ko-KR" altLang="en-US" dirty="0" smtClean="0"/>
+                        <a:t>걷기</a:t>
+                      </a:r>
+                      <a:r>
+                        <a:rPr lang="en-US" altLang="ko-KR" dirty="0" smtClean="0"/>
+                        <a:t>, </a:t>
+                      </a:r>
+                      <a:r>
+                        <a:rPr lang="ko-KR" altLang="en-US" dirty="0" err="1" smtClean="0"/>
+                        <a:t>대쉬</a:t>
+                      </a:r>
+                      <a:r>
+                        <a:rPr lang="en-US" altLang="ko-KR" dirty="0" smtClean="0"/>
+                        <a:t>, </a:t>
+                      </a:r>
+                      <a:r>
+                        <a:rPr lang="ko-KR" altLang="en-US" dirty="0" smtClean="0"/>
+                        <a:t>공격</a:t>
+                      </a:r>
+                      <a:r>
+                        <a:rPr lang="en-US" altLang="ko-KR" dirty="0" smtClean="0"/>
+                        <a:t>,</a:t>
+                      </a:r>
+                      <a:r>
+                        <a:rPr lang="en-US" altLang="ko-KR" baseline="0" dirty="0" smtClean="0"/>
+                        <a:t> </a:t>
+                      </a:r>
+                      <a:r>
+                        <a:rPr lang="ko-KR" altLang="en-US" baseline="0" dirty="0" smtClean="0"/>
+                        <a:t>스킬</a:t>
+                      </a:r>
+                      <a:r>
+                        <a:rPr lang="en-US" altLang="ko-KR" baseline="0" dirty="0" smtClean="0"/>
+                        <a:t>, </a:t>
+                      </a:r>
+                      <a:r>
+                        <a:rPr lang="ko-KR" altLang="en-US" baseline="0" dirty="0" smtClean="0"/>
+                        <a:t>점프 등</a:t>
+                      </a:r>
+                      <a:endParaRPr lang="ko-KR" altLang="en-US" dirty="0"/>
+                    </a:p>
+                  </a:txBody>
+                  <a:tcPr/>
+                </a:tc>
+                <a:tc>
+                  <a:txBody>
+                    <a:bodyPr/>
+                    <a:lstStyle/>
+                    <a:p>
+                      <a:pPr latinLnBrk="1"/>
+                      <a:endParaRPr lang="ko-KR" altLang="en-US" dirty="0"/>
+                    </a:p>
+                  </a:txBody>
+                  <a:tcPr/>
+                </a:tc>
+                <a:extLst>
+                  <a:ext uri="{0D108BD9-81ED-4DB2-BD59-A6C34878D82A}">
+                    <a16:rowId xmlns:a16="http://schemas.microsoft.com/office/drawing/2014/main" val="303258334"/>
+                  </a:ext>
+                </a:extLst>
+              </a:tr>
+              <a:tr h="370840">
+                <a:tc>
+                  <a:txBody>
+                    <a:bodyPr/>
+                    <a:lstStyle/>
+                    <a:p>
+                      <a:pPr latinLnBrk="1"/>
+                      <a:r>
+                        <a:rPr lang="ko-KR" altLang="en-US" dirty="0" smtClean="0"/>
+                        <a:t>난이도</a:t>
+                      </a:r>
+                      <a:endParaRPr lang="ko-KR" altLang="en-US" dirty="0"/>
+                    </a:p>
+                  </a:txBody>
+                  <a:tcPr/>
+                </a:tc>
+                <a:tc>
+                  <a:txBody>
+                    <a:bodyPr/>
+                    <a:lstStyle/>
+                    <a:p>
+                      <a:pPr latinLnBrk="1"/>
+                      <a:r>
+                        <a:rPr lang="ko-KR" altLang="en-US" dirty="0" smtClean="0"/>
+                        <a:t>스테이지 별로 체력</a:t>
+                      </a:r>
+                      <a:r>
+                        <a:rPr lang="en-US" altLang="ko-KR" dirty="0" smtClean="0"/>
+                        <a:t>, </a:t>
+                      </a:r>
+                      <a:r>
+                        <a:rPr lang="ko-KR" altLang="en-US" dirty="0" smtClean="0"/>
+                        <a:t>공격력 조정</a:t>
+                      </a:r>
+                      <a:endParaRPr lang="ko-KR" altLang="en-US" dirty="0"/>
+                    </a:p>
+                  </a:txBody>
+                  <a:tcPr/>
+                </a:tc>
+                <a:tc>
+                  <a:txBody>
+                    <a:bodyPr/>
+                    <a:lstStyle/>
+                    <a:p>
+                      <a:pPr latinLnBrk="1"/>
+                      <a:endParaRPr lang="ko-KR" altLang="en-US" dirty="0"/>
+                    </a:p>
+                  </a:txBody>
+                  <a:tcPr/>
+                </a:tc>
+                <a:extLst>
+                  <a:ext uri="{0D108BD9-81ED-4DB2-BD59-A6C34878D82A}">
+                    <a16:rowId xmlns:a16="http://schemas.microsoft.com/office/drawing/2014/main" val="2306041621"/>
+                  </a:ext>
+                </a:extLst>
+              </a:tr>
+            </a:tbl>
+          </a:graphicData>
+        </a:graphic>
+      </p:graphicFrame>
     </p:spTree>
     <p:extLst>
       <p:ext uri="{BB962C8B-B14F-4D97-AF65-F5344CB8AC3E}">

--- a/2D 게임 프로그래밍 1차발표.pptx
+++ b/2D 게임 프로그래밍 1차발표.pptx
@@ -7,8 +7,8 @@
   <p:sldIdLst>
     <p:sldId id="256" r:id="rId2"/>
     <p:sldId id="258" r:id="rId3"/>
-    <p:sldId id="259" r:id="rId4"/>
-    <p:sldId id="260" r:id="rId5"/>
+    <p:sldId id="260" r:id="rId4"/>
+    <p:sldId id="259" r:id="rId5"/>
     <p:sldId id="257" r:id="rId6"/>
   </p:sldIdLst>
   <p:sldSz cx="12192000" cy="6858000"/>
@@ -6713,6 +6713,346 @@
           <a:chExt cx="0" cy="0"/>
         </a:xfrm>
       </p:grpSpPr>
+      <p:pic>
+        <p:nvPicPr>
+          <p:cNvPr id="4" name="내용 개체 틀 3"/>
+          <p:cNvPicPr>
+            <a:picLocks noGrp="1" noChangeAspect="1"/>
+          </p:cNvPicPr>
+          <p:nvPr>
+            <p:ph idx="1"/>
+          </p:nvPr>
+        </p:nvPicPr>
+        <p:blipFill>
+          <a:blip r:embed="rId2">
+            <a:extLst>
+              <a:ext uri="{28A0092B-C50C-407E-A947-70E740481C1C}">
+                <a14:useLocalDpi xmlns:a14="http://schemas.microsoft.com/office/drawing/2010/main" val="0"/>
+              </a:ext>
+            </a:extLst>
+          </a:blip>
+          <a:stretch>
+            <a:fillRect/>
+          </a:stretch>
+        </p:blipFill>
+        <p:spPr>
+          <a:xfrm>
+            <a:off x="3048000" y="0"/>
+            <a:ext cx="9144000" cy="6858000"/>
+          </a:xfrm>
+        </p:spPr>
+      </p:pic>
+      <p:sp>
+        <p:nvSpPr>
+          <p:cNvPr id="2" name="제목 1"/>
+          <p:cNvSpPr>
+            <a:spLocks noGrp="1"/>
+          </p:cNvSpPr>
+          <p:nvPr>
+            <p:ph type="title"/>
+          </p:nvPr>
+        </p:nvSpPr>
+        <p:spPr>
+          <a:xfrm>
+            <a:off x="0" y="0"/>
+            <a:ext cx="3048000" cy="910856"/>
+          </a:xfrm>
+          <a:solidFill>
+            <a:schemeClr val="tx1"/>
+          </a:solidFill>
+        </p:spPr>
+        <p:txBody>
+          <a:bodyPr/>
+          <a:lstStyle/>
+          <a:p>
+            <a:r>
+              <a:rPr lang="ko-KR" altLang="en-US" dirty="0" smtClean="0"/>
+              <a:t>게임 실행 흐름</a:t>
+            </a:r>
+            <a:endParaRPr lang="ko-KR" altLang="en-US" dirty="0"/>
+          </a:p>
+        </p:txBody>
+      </p:sp>
+      <p:sp>
+        <p:nvSpPr>
+          <p:cNvPr id="5" name="TextBox 4"/>
+          <p:cNvSpPr txBox="1"/>
+          <p:nvPr/>
+        </p:nvSpPr>
+        <p:spPr>
+          <a:xfrm>
+            <a:off x="8134184" y="270762"/>
+            <a:ext cx="3546282" cy="369332"/>
+          </a:xfrm>
+          <a:prstGeom prst="rect">
+            <a:avLst/>
+          </a:prstGeom>
+          <a:noFill/>
+        </p:spPr>
+        <p:txBody>
+          <a:bodyPr wrap="square" rtlCol="0">
+            <a:spAutoFit/>
+          </a:bodyPr>
+          <a:lstStyle/>
+          <a:p>
+            <a:r>
+              <a:rPr lang="ko-KR" altLang="en-US" dirty="0" smtClean="0"/>
+              <a:t>플레이어의 </a:t>
+            </a:r>
+            <a:r>
+              <a:rPr lang="en-US" altLang="ko-KR" dirty="0" smtClean="0"/>
+              <a:t>HP,MP</a:t>
+            </a:r>
+            <a:endParaRPr lang="ko-KR" altLang="en-US" dirty="0"/>
+          </a:p>
+        </p:txBody>
+      </p:sp>
+      <p:sp>
+        <p:nvSpPr>
+          <p:cNvPr id="7" name="오른쪽 화살표 6"/>
+          <p:cNvSpPr/>
+          <p:nvPr/>
+        </p:nvSpPr>
+        <p:spPr>
+          <a:xfrm rot="10800000">
+            <a:off x="6933537" y="363095"/>
+            <a:ext cx="1001865" cy="184666"/>
+          </a:xfrm>
+          <a:prstGeom prst="rightArrow">
+            <a:avLst/>
+          </a:prstGeom>
+          <a:solidFill>
+            <a:schemeClr val="tx1"/>
+          </a:solidFill>
+        </p:spPr>
+        <p:style>
+          <a:lnRef idx="2">
+            <a:schemeClr val="accent1">
+              <a:shade val="50000"/>
+            </a:schemeClr>
+          </a:lnRef>
+          <a:fillRef idx="1">
+            <a:schemeClr val="accent1"/>
+          </a:fillRef>
+          <a:effectRef idx="0">
+            <a:schemeClr val="accent1"/>
+          </a:effectRef>
+          <a:fontRef idx="minor">
+            <a:schemeClr val="lt1"/>
+          </a:fontRef>
+        </p:style>
+        <p:txBody>
+          <a:bodyPr rtlCol="0" anchor="ctr"/>
+          <a:lstStyle/>
+          <a:p>
+            <a:pPr algn="ctr"/>
+            <a:endParaRPr lang="ko-KR" altLang="en-US"/>
+          </a:p>
+        </p:txBody>
+      </p:sp>
+      <p:sp>
+        <p:nvSpPr>
+          <p:cNvPr id="8" name="액자 7"/>
+          <p:cNvSpPr/>
+          <p:nvPr/>
+        </p:nvSpPr>
+        <p:spPr>
+          <a:xfrm>
+            <a:off x="4754880" y="6074797"/>
+            <a:ext cx="6050943" cy="699714"/>
+          </a:xfrm>
+          <a:prstGeom prst="frame">
+            <a:avLst/>
+          </a:prstGeom>
+          <a:solidFill>
+            <a:srgbClr val="FF0000"/>
+          </a:solidFill>
+        </p:spPr>
+        <p:style>
+          <a:lnRef idx="2">
+            <a:schemeClr val="accent1">
+              <a:shade val="50000"/>
+            </a:schemeClr>
+          </a:lnRef>
+          <a:fillRef idx="1">
+            <a:schemeClr val="accent1"/>
+          </a:fillRef>
+          <a:effectRef idx="0">
+            <a:schemeClr val="accent1"/>
+          </a:effectRef>
+          <a:fontRef idx="minor">
+            <a:schemeClr val="lt1"/>
+          </a:fontRef>
+        </p:style>
+        <p:txBody>
+          <a:bodyPr rtlCol="0" anchor="ctr"/>
+          <a:lstStyle/>
+          <a:p>
+            <a:pPr algn="ctr"/>
+            <a:endParaRPr lang="ko-KR" altLang="en-US">
+              <a:solidFill>
+                <a:schemeClr val="tx1"/>
+              </a:solidFill>
+            </a:endParaRPr>
+          </a:p>
+        </p:txBody>
+      </p:sp>
+      <p:sp>
+        <p:nvSpPr>
+          <p:cNvPr id="9" name="TextBox 8"/>
+          <p:cNvSpPr txBox="1"/>
+          <p:nvPr/>
+        </p:nvSpPr>
+        <p:spPr>
+          <a:xfrm>
+            <a:off x="3625795" y="5991308"/>
+            <a:ext cx="1717482" cy="369332"/>
+          </a:xfrm>
+          <a:prstGeom prst="rect">
+            <a:avLst/>
+          </a:prstGeom>
+          <a:noFill/>
+        </p:spPr>
+        <p:txBody>
+          <a:bodyPr wrap="square" rtlCol="0">
+            <a:spAutoFit/>
+          </a:bodyPr>
+          <a:lstStyle/>
+          <a:p>
+            <a:r>
+              <a:rPr lang="ko-KR" altLang="en-US" dirty="0" smtClean="0"/>
+              <a:t>보스의 </a:t>
+            </a:r>
+            <a:r>
+              <a:rPr lang="en-US" altLang="ko-KR" dirty="0" smtClean="0"/>
+              <a:t>HP</a:t>
+            </a:r>
+            <a:endParaRPr lang="ko-KR" altLang="en-US" dirty="0"/>
+          </a:p>
+        </p:txBody>
+      </p:sp>
+      <p:sp>
+        <p:nvSpPr>
+          <p:cNvPr id="10" name="오른쪽 화살표 9"/>
+          <p:cNvSpPr/>
+          <p:nvPr/>
+        </p:nvSpPr>
+        <p:spPr>
+          <a:xfrm rot="10800000">
+            <a:off x="6076121" y="1056183"/>
+            <a:ext cx="1001865" cy="184666"/>
+          </a:xfrm>
+          <a:prstGeom prst="rightArrow">
+            <a:avLst/>
+          </a:prstGeom>
+          <a:solidFill>
+            <a:schemeClr val="tx1"/>
+          </a:solidFill>
+        </p:spPr>
+        <p:style>
+          <a:lnRef idx="2">
+            <a:schemeClr val="accent1">
+              <a:shade val="50000"/>
+            </a:schemeClr>
+          </a:lnRef>
+          <a:fillRef idx="1">
+            <a:schemeClr val="accent1"/>
+          </a:fillRef>
+          <a:effectRef idx="0">
+            <a:schemeClr val="accent1"/>
+          </a:effectRef>
+          <a:fontRef idx="minor">
+            <a:schemeClr val="lt1"/>
+          </a:fontRef>
+        </p:style>
+        <p:txBody>
+          <a:bodyPr rtlCol="0" anchor="ctr"/>
+          <a:lstStyle/>
+          <a:p>
+            <a:pPr algn="ctr"/>
+            <a:endParaRPr lang="ko-KR" altLang="en-US"/>
+          </a:p>
+        </p:txBody>
+      </p:sp>
+      <p:sp>
+        <p:nvSpPr>
+          <p:cNvPr id="11" name="TextBox 10"/>
+          <p:cNvSpPr txBox="1"/>
+          <p:nvPr/>
+        </p:nvSpPr>
+        <p:spPr>
+          <a:xfrm>
+            <a:off x="7077986" y="963849"/>
+            <a:ext cx="3546282" cy="369332"/>
+          </a:xfrm>
+          <a:prstGeom prst="rect">
+            <a:avLst/>
+          </a:prstGeom>
+          <a:noFill/>
+        </p:spPr>
+        <p:txBody>
+          <a:bodyPr wrap="square" rtlCol="0">
+            <a:spAutoFit/>
+          </a:bodyPr>
+          <a:lstStyle/>
+          <a:p>
+            <a:r>
+              <a:rPr lang="en-US" altLang="ko-KR" dirty="0" smtClean="0"/>
+              <a:t>MP</a:t>
+            </a:r>
+            <a:r>
+              <a:rPr lang="ko-KR" altLang="en-US" dirty="0" smtClean="0"/>
+              <a:t>에 따라 </a:t>
+            </a:r>
+            <a:r>
+              <a:rPr lang="ko-KR" altLang="en-US" dirty="0" err="1" smtClean="0"/>
+              <a:t>사용가능한</a:t>
+            </a:r>
+            <a:r>
+              <a:rPr lang="ko-KR" altLang="en-US" dirty="0" smtClean="0"/>
+              <a:t> 스킬</a:t>
+            </a:r>
+            <a:endParaRPr lang="ko-KR" altLang="en-US" dirty="0"/>
+          </a:p>
+        </p:txBody>
+      </p:sp>
+    </p:spTree>
+    <p:extLst>
+      <p:ext uri="{BB962C8B-B14F-4D97-AF65-F5344CB8AC3E}">
+        <p14:creationId xmlns:p14="http://schemas.microsoft.com/office/powerpoint/2010/main" val="3428323789"/>
+      </p:ext>
+    </p:extLst>
+  </p:cSld>
+  <p:clrMapOvr>
+    <a:masterClrMapping/>
+  </p:clrMapOvr>
+  <p:timing>
+    <p:tnLst>
+      <p:par>
+        <p:cTn id="1" dur="indefinite" restart="never" nodeType="tmRoot"/>
+      </p:par>
+    </p:tnLst>
+  </p:timing>
+</p:sld>
+</file>
+
+<file path=ppt/slides/slide4.xml><?xml version="1.0" encoding="utf-8"?>
+<p:sld xmlns:a="http://schemas.openxmlformats.org/drawingml/2006/main" xmlns:r="http://schemas.openxmlformats.org/officeDocument/2006/relationships" xmlns:p="http://schemas.openxmlformats.org/presentationml/2006/main">
+  <p:cSld>
+    <p:spTree>
+      <p:nvGrpSpPr>
+        <p:cNvPr id="1" name=""/>
+        <p:cNvGrpSpPr/>
+        <p:nvPr/>
+      </p:nvGrpSpPr>
+      <p:grpSpPr>
+        <a:xfrm>
+          <a:off x="0" y="0"/>
+          <a:ext cx="0" cy="0"/>
+          <a:chOff x="0" y="0"/>
+          <a:chExt cx="0" cy="0"/>
+        </a:xfrm>
+      </p:grpSpPr>
       <p:sp>
         <p:nvSpPr>
           <p:cNvPr id="2" name="제목 1"/>
@@ -6735,11 +7075,7 @@
           <a:p>
             <a:r>
               <a:rPr lang="ko-KR" altLang="en-US" dirty="0" smtClean="0"/>
-              <a:t>개발 </a:t>
-            </a:r>
-            <a:r>
-              <a:rPr lang="ko-KR" altLang="en-US" dirty="0" smtClean="0"/>
-              <a:t>범위</a:t>
+              <a:t>개발 범위</a:t>
             </a:r>
             <a:r>
               <a:rPr lang="en-US" altLang="ko-KR" dirty="0" smtClean="0"/>
@@ -6769,7 +7105,7 @@
             <p:ph idx="1"/>
             <p:extLst>
               <p:ext uri="{D42A27DB-BD31-4B8C-83A1-F6EECF244321}">
-                <p14:modId xmlns:p14="http://schemas.microsoft.com/office/powerpoint/2010/main" val="1997979237"/>
+                <p14:modId xmlns:p14="http://schemas.microsoft.com/office/powerpoint/2010/main" val="4191997623"/>
               </p:ext>
             </p:extLst>
           </p:nvPr>
@@ -7588,7 +7924,23 @@
                       </a:r>
                       <a:r>
                         <a:rPr lang="ko-KR" altLang="en-US" dirty="0" smtClean="0"/>
-                        <a:t> 시스템 추가</a:t>
+                        <a:t> 시스템 </a:t>
+                      </a:r>
+                      <a:r>
+                        <a:rPr lang="ko-KR" altLang="en-US" dirty="0" smtClean="0"/>
+                        <a:t>추가</a:t>
+                      </a:r>
+                      <a:endParaRPr lang="en-US" altLang="ko-KR" dirty="0" smtClean="0"/>
+                    </a:p>
+                    <a:p>
+                      <a:pPr latinLnBrk="1"/>
+                      <a:r>
+                        <a:rPr lang="ko-KR" altLang="en-US" dirty="0" err="1" smtClean="0"/>
+                        <a:t>보스방</a:t>
+                      </a:r>
+                      <a:r>
+                        <a:rPr lang="ko-KR" altLang="en-US" dirty="0" smtClean="0"/>
+                        <a:t> 대화 추가</a:t>
                       </a:r>
                       <a:endParaRPr lang="ko-KR" altLang="en-US" dirty="0"/>
                     </a:p>
@@ -7845,81 +8197,6 @@
 </p:sld>
 </file>
 
-<file path=ppt/slides/slide4.xml><?xml version="1.0" encoding="utf-8"?>
-<p:sld xmlns:a="http://schemas.openxmlformats.org/drawingml/2006/main" xmlns:r="http://schemas.openxmlformats.org/officeDocument/2006/relationships" xmlns:p="http://schemas.openxmlformats.org/presentationml/2006/main">
-  <p:cSld>
-    <p:spTree>
-      <p:nvGrpSpPr>
-        <p:cNvPr id="1" name=""/>
-        <p:cNvGrpSpPr/>
-        <p:nvPr/>
-      </p:nvGrpSpPr>
-      <p:grpSpPr>
-        <a:xfrm>
-          <a:off x="0" y="0"/>
-          <a:ext cx="0" cy="0"/>
-          <a:chOff x="0" y="0"/>
-          <a:chExt cx="0" cy="0"/>
-        </a:xfrm>
-      </p:grpSpPr>
-      <p:sp>
-        <p:nvSpPr>
-          <p:cNvPr id="2" name="제목 1"/>
-          <p:cNvSpPr>
-            <a:spLocks noGrp="1"/>
-          </p:cNvSpPr>
-          <p:nvPr>
-            <p:ph type="title"/>
-          </p:nvPr>
-        </p:nvSpPr>
-        <p:spPr/>
-        <p:txBody>
-          <a:bodyPr/>
-          <a:lstStyle/>
-          <a:p>
-            <a:endParaRPr lang="ko-KR" altLang="en-US"/>
-          </a:p>
-        </p:txBody>
-      </p:sp>
-      <p:sp>
-        <p:nvSpPr>
-          <p:cNvPr id="3" name="내용 개체 틀 2"/>
-          <p:cNvSpPr>
-            <a:spLocks noGrp="1"/>
-          </p:cNvSpPr>
-          <p:nvPr>
-            <p:ph idx="1"/>
-          </p:nvPr>
-        </p:nvSpPr>
-        <p:spPr/>
-        <p:txBody>
-          <a:bodyPr/>
-          <a:lstStyle/>
-          <a:p>
-            <a:endParaRPr lang="ko-KR" altLang="en-US"/>
-          </a:p>
-        </p:txBody>
-      </p:sp>
-    </p:spTree>
-    <p:extLst>
-      <p:ext uri="{BB962C8B-B14F-4D97-AF65-F5344CB8AC3E}">
-        <p14:creationId xmlns:p14="http://schemas.microsoft.com/office/powerpoint/2010/main" val="3428323789"/>
-      </p:ext>
-    </p:extLst>
-  </p:cSld>
-  <p:clrMapOvr>
-    <a:masterClrMapping/>
-  </p:clrMapOvr>
-  <p:timing>
-    <p:tnLst>
-      <p:par>
-        <p:cTn id="1" dur="indefinite" restart="never" nodeType="tmRoot"/>
-      </p:par>
-    </p:tnLst>
-  </p:timing>
-</p:sld>
-</file>
-
 <file path=ppt/slides/slide5.xml><?xml version="1.0" encoding="utf-8"?>
 <p:sld xmlns:a="http://schemas.openxmlformats.org/drawingml/2006/main" xmlns:r="http://schemas.openxmlformats.org/officeDocument/2006/relationships" xmlns:p="http://schemas.openxmlformats.org/presentationml/2006/main">
   <p:cSld>
@@ -7947,14 +8224,23 @@
             <p:ph type="title"/>
           </p:nvPr>
         </p:nvSpPr>
-        <p:spPr/>
+        <p:spPr>
+          <a:xfrm>
+            <a:off x="1415123" y="-342900"/>
+            <a:ext cx="9905998" cy="1905000"/>
+          </a:xfrm>
+        </p:spPr>
         <p:txBody>
           <a:bodyPr/>
           <a:lstStyle/>
           <a:p>
             <a:r>
               <a:rPr lang="ko-KR" altLang="en-US" dirty="0" smtClean="0"/>
-              <a:t>개발 일정</a:t>
+              <a:t>개발 </a:t>
+            </a:r>
+            <a:r>
+              <a:rPr lang="ko-KR" altLang="en-US" dirty="0" smtClean="0"/>
+              <a:t>계획</a:t>
             </a:r>
             <a:endParaRPr lang="ko-KR" altLang="en-US" dirty="0"/>
           </a:p>
@@ -7968,11 +8254,16 @@
           </p:cNvGraphicFramePr>
           <p:nvPr>
             <p:ph idx="1"/>
+            <p:extLst>
+              <p:ext uri="{D42A27DB-BD31-4B8C-83A1-F6EECF244321}">
+                <p14:modId xmlns:p14="http://schemas.microsoft.com/office/powerpoint/2010/main" val="858449201"/>
+              </p:ext>
+            </p:extLst>
           </p:nvPr>
         </p:nvGraphicFramePr>
         <p:xfrm>
-          <a:off x="1023938" y="2286000"/>
-          <a:ext cx="9720261" cy="3708400"/>
+          <a:off x="815871" y="992519"/>
+          <a:ext cx="9720261" cy="5232400"/>
         </p:xfrm>
         <a:graphic>
           <a:graphicData uri="http://schemas.openxmlformats.org/drawingml/2006/table">
@@ -7988,14 +8279,14 @@
                     </a:ext>
                   </a:extLst>
                 </a:gridCol>
-                <a:gridCol w="5579619">
+                <a:gridCol w="3722328">
                   <a:extLst>
                     <a:ext uri="{9D8B030D-6E8A-4147-A177-3AD203B41FA5}">
                       <a16:colId xmlns:a16="http://schemas.microsoft.com/office/drawing/2014/main" val="2232328101"/>
                     </a:ext>
                   </a:extLst>
                 </a:gridCol>
-                <a:gridCol w="3240087">
+                <a:gridCol w="5097378">
                   <a:extLst>
                     <a:ext uri="{9D8B030D-6E8A-4147-A177-3AD203B41FA5}">
                       <a16:colId xmlns:a16="http://schemas.microsoft.com/office/drawing/2014/main" val="4275069263"/>
@@ -8029,7 +8320,11 @@
                     <a:lstStyle/>
                     <a:p>
                       <a:pPr algn="ctr" latinLnBrk="1"/>
-                      <a:endParaRPr lang="ko-KR" altLang="en-US"/>
+                      <a:r>
+                        <a:rPr lang="ko-KR" altLang="en-US" dirty="0" smtClean="0"/>
+                        <a:t>리소스 수집</a:t>
+                      </a:r>
+                      <a:endParaRPr lang="ko-KR" altLang="en-US" dirty="0"/>
                     </a:p>
                   </a:txBody>
                   <a:tcPr/>
@@ -8040,7 +8335,15 @@
                     <a:lstStyle/>
                     <a:p>
                       <a:pPr algn="ctr" latinLnBrk="1"/>
-                      <a:endParaRPr lang="ko-KR" altLang="en-US"/>
+                      <a:r>
+                        <a:rPr lang="ko-KR" altLang="en-US" dirty="0" smtClean="0"/>
+                        <a:t>리소스 수집 및 캐릭터 </a:t>
+                      </a:r>
+                      <a:r>
+                        <a:rPr lang="ko-KR" altLang="en-US" dirty="0" err="1" smtClean="0"/>
+                        <a:t>이동처리</a:t>
+                      </a:r>
+                      <a:endParaRPr lang="ko-KR" altLang="en-US" dirty="0"/>
                     </a:p>
                   </a:txBody>
                   <a:tcPr/>
@@ -8077,6 +8380,10 @@
                     <a:lstStyle/>
                     <a:p>
                       <a:pPr algn="ctr" latinLnBrk="1"/>
+                      <a:r>
+                        <a:rPr lang="ko-KR" altLang="en-US" dirty="0" smtClean="0"/>
+                        <a:t>캐릭터 컨트롤</a:t>
+                      </a:r>
                       <a:endParaRPr lang="ko-KR" altLang="en-US" dirty="0"/>
                     </a:p>
                   </a:txBody>
@@ -8088,7 +8395,35 @@
                     <a:lstStyle/>
                     <a:p>
                       <a:pPr algn="ctr" latinLnBrk="1"/>
-                      <a:endParaRPr lang="ko-KR" altLang="en-US"/>
+                      <a:r>
+                        <a:rPr lang="ko-KR" altLang="en-US" dirty="0" smtClean="0"/>
+                        <a:t>캐릭터의 걷기</a:t>
+                      </a:r>
+                      <a:r>
+                        <a:rPr lang="en-US" altLang="ko-KR" dirty="0" smtClean="0"/>
+                        <a:t>,</a:t>
+                      </a:r>
+                      <a:r>
+                        <a:rPr lang="ko-KR" altLang="en-US" dirty="0" smtClean="0"/>
+                        <a:t>달리기</a:t>
+                      </a:r>
+                      <a:r>
+                        <a:rPr lang="en-US" altLang="ko-KR" dirty="0" smtClean="0"/>
+                        <a:t>,</a:t>
+                      </a:r>
+                      <a:r>
+                        <a:rPr lang="ko-KR" altLang="en-US" dirty="0" smtClean="0"/>
+                        <a:t>공격</a:t>
+                      </a:r>
+                      <a:r>
+                        <a:rPr lang="en-US" altLang="ko-KR" dirty="0" smtClean="0"/>
+                        <a:t>,</a:t>
+                      </a:r>
+                      <a:r>
+                        <a:rPr lang="ko-KR" altLang="en-US" dirty="0" smtClean="0"/>
+                        <a:t> 구현</a:t>
+                      </a:r>
+                      <a:endParaRPr lang="ko-KR" altLang="en-US" dirty="0"/>
                     </a:p>
                   </a:txBody>
                   <a:tcPr/>
@@ -8125,10 +8460,22 @@
                     <a:lstStyle/>
                     <a:p>
                       <a:pPr algn="ctr" latinLnBrk="1"/>
+                      <a:r>
+                        <a:rPr lang="ko-KR" altLang="en-US" dirty="0" smtClean="0"/>
+                        <a:t>캐릭터의 기능</a:t>
+                      </a:r>
+                      <a:r>
+                        <a:rPr lang="en-US" altLang="ko-KR" dirty="0" smtClean="0"/>
+                        <a:t>, </a:t>
+                      </a:r>
+                      <a:r>
+                        <a:rPr lang="ko-KR" altLang="en-US" dirty="0" smtClean="0"/>
+                        <a:t>맵</a:t>
+                      </a:r>
                       <a:endParaRPr lang="ko-KR" altLang="en-US" dirty="0"/>
                     </a:p>
                   </a:txBody>
-                  <a:tcPr/>
+                  <a:tcPr anchor="ctr"/>
                 </a:tc>
                 <a:tc>
                   <a:txBody>
@@ -8136,7 +8483,39 @@
                     <a:lstStyle/>
                     <a:p>
                       <a:pPr algn="ctr" latinLnBrk="1"/>
-                      <a:endParaRPr lang="ko-KR" altLang="en-US"/>
+                      <a:r>
+                        <a:rPr lang="ko-KR" altLang="en-US" dirty="0" smtClean="0"/>
+                        <a:t>캐릭터의 스킬과 점프</a:t>
+                      </a:r>
+                      <a:r>
+                        <a:rPr lang="en-US" altLang="ko-KR" baseline="0" dirty="0" smtClean="0"/>
+                        <a:t> </a:t>
+                      </a:r>
+                      <a:r>
+                        <a:rPr lang="ko-KR" altLang="en-US" baseline="0" dirty="0" smtClean="0"/>
+                        <a:t>구현</a:t>
+                      </a:r>
+                      <a:endParaRPr lang="en-US" altLang="ko-KR" baseline="0" dirty="0" smtClean="0"/>
+                    </a:p>
+                    <a:p>
+                      <a:pPr algn="ctr" latinLnBrk="1"/>
+                      <a:r>
+                        <a:rPr lang="ko-KR" altLang="en-US" baseline="0" dirty="0" smtClean="0"/>
+                        <a:t>맵</a:t>
+                      </a:r>
+                      <a:r>
+                        <a:rPr lang="en-US" altLang="ko-KR" baseline="0" dirty="0" smtClean="0"/>
+                        <a:t>(</a:t>
+                      </a:r>
+                      <a:r>
+                        <a:rPr lang="ko-KR" altLang="en-US" baseline="0" dirty="0" smtClean="0"/>
+                        <a:t>지면과 공중에 떠있는 여러 발판</a:t>
+                      </a:r>
+                      <a:r>
+                        <a:rPr lang="en-US" altLang="ko-KR" baseline="0" dirty="0" smtClean="0"/>
+                        <a:t>)</a:t>
+                      </a:r>
+                      <a:endParaRPr lang="ko-KR" altLang="en-US" dirty="0"/>
                     </a:p>
                   </a:txBody>
                   <a:tcPr/>
@@ -8173,10 +8552,14 @@
                     <a:lstStyle/>
                     <a:p>
                       <a:pPr algn="ctr" latinLnBrk="1"/>
+                      <a:r>
+                        <a:rPr lang="ko-KR" altLang="en-US" dirty="0" smtClean="0"/>
+                        <a:t>몬스터 오브젝트</a:t>
+                      </a:r>
                       <a:endParaRPr lang="ko-KR" altLang="en-US" dirty="0"/>
                     </a:p>
                   </a:txBody>
-                  <a:tcPr/>
+                  <a:tcPr anchor="ctr"/>
                 </a:tc>
                 <a:tc>
                   <a:txBody>
@@ -8184,7 +8567,54 @@
                     <a:lstStyle/>
                     <a:p>
                       <a:pPr algn="ctr" latinLnBrk="1"/>
-                      <a:endParaRPr lang="ko-KR" altLang="en-US"/>
+                      <a:r>
+                        <a:rPr lang="ko-KR" altLang="en-US" dirty="0" smtClean="0"/>
+                        <a:t>기본 오브젝트 </a:t>
+                      </a:r>
+                      <a:r>
+                        <a:rPr lang="en-US" altLang="ko-KR" dirty="0" smtClean="0"/>
+                        <a:t>3</a:t>
+                      </a:r>
+                      <a:r>
+                        <a:rPr lang="ko-KR" altLang="en-US" dirty="0" err="1" smtClean="0"/>
+                        <a:t>종구현</a:t>
+                      </a:r>
+                      <a:r>
+                        <a:rPr lang="en-US" altLang="ko-KR" dirty="0" smtClean="0"/>
+                        <a:t>(</a:t>
+                      </a:r>
+                      <a:r>
+                        <a:rPr lang="ko-KR" altLang="en-US" dirty="0" smtClean="0"/>
+                        <a:t>근거리</a:t>
+                      </a:r>
+                      <a:r>
+                        <a:rPr lang="en-US" altLang="ko-KR" dirty="0" smtClean="0"/>
+                        <a:t>,</a:t>
+                      </a:r>
+                      <a:r>
+                        <a:rPr lang="ko-KR" altLang="en-US" dirty="0" smtClean="0"/>
+                        <a:t>원거리</a:t>
+                      </a:r>
+                      <a:r>
+                        <a:rPr lang="en-US" altLang="ko-KR" dirty="0" smtClean="0"/>
+                        <a:t>,</a:t>
+                      </a:r>
+                      <a:r>
+                        <a:rPr lang="ko-KR" altLang="en-US" dirty="0" smtClean="0"/>
+                        <a:t>보스</a:t>
+                      </a:r>
+                      <a:r>
+                        <a:rPr lang="en-US" altLang="ko-KR" dirty="0" smtClean="0"/>
+                        <a:t>)</a:t>
+                      </a:r>
+                    </a:p>
+                    <a:p>
+                      <a:pPr algn="ctr" latinLnBrk="1"/>
+                      <a:r>
+                        <a:rPr lang="ko-KR" altLang="en-US" dirty="0" smtClean="0"/>
+                        <a:t>이동 패턴과 캐릭터와의 상호작용을 구현</a:t>
+                      </a:r>
+                      <a:endParaRPr lang="ko-KR" altLang="en-US" dirty="0"/>
                     </a:p>
                   </a:txBody>
                   <a:tcPr/>
@@ -8220,7 +8650,23 @@
                     <a:bodyPr/>
                     <a:lstStyle/>
                     <a:p>
-                      <a:pPr algn="ctr" latinLnBrk="1"/>
+                      <a:pPr algn="ctr"/>
+                      <a:r>
+                        <a:rPr lang="en-US" altLang="ko-KR" dirty="0" err="1" smtClean="0"/>
+                        <a:t>Ui</a:t>
+                      </a:r>
+                      <a:r>
+                        <a:rPr lang="en-US" altLang="ko-KR" dirty="0" smtClean="0"/>
+                        <a:t> </a:t>
+                      </a:r>
+                      <a:r>
+                        <a:rPr lang="ko-KR" altLang="en-US" dirty="0" smtClean="0"/>
+                        <a:t>및 </a:t>
+                      </a:r>
+                      <a:r>
+                        <a:rPr lang="ko-KR" altLang="en-US" dirty="0" err="1" smtClean="0"/>
+                        <a:t>추가구현</a:t>
+                      </a:r>
                       <a:endParaRPr lang="ko-KR" altLang="en-US" dirty="0"/>
                     </a:p>
                   </a:txBody>
@@ -8231,8 +8677,24 @@
                     <a:bodyPr/>
                     <a:lstStyle/>
                     <a:p>
-                      <a:pPr algn="ctr" latinLnBrk="1"/>
-                      <a:endParaRPr lang="ko-KR" altLang="en-US"/>
+                      <a:pPr algn="ctr"/>
+                      <a:r>
+                        <a:rPr lang="ko-KR" altLang="en-US" dirty="0" smtClean="0"/>
+                        <a:t>캐릭터와 몬스터의 </a:t>
+                      </a:r>
+                      <a:r>
+                        <a:rPr lang="en-US" altLang="ko-KR" dirty="0" smtClean="0"/>
+                        <a:t>HP</a:t>
+                      </a:r>
+                      <a:r>
+                        <a:rPr lang="ko-KR" altLang="en-US" dirty="0" smtClean="0"/>
+                        <a:t>게이지</a:t>
+                      </a:r>
+                      <a:r>
+                        <a:rPr lang="en-US" altLang="ko-KR" dirty="0" smtClean="0"/>
+                        <a:t>,</a:t>
+                      </a:r>
+                      <a:endParaRPr lang="ko-KR" altLang="en-US" dirty="0"/>
                     </a:p>
                   </a:txBody>
                   <a:tcPr/>
@@ -8269,6 +8731,14 @@
                     <a:lstStyle/>
                     <a:p>
                       <a:pPr algn="ctr" latinLnBrk="1"/>
+                      <a:endParaRPr lang="en-US" altLang="ko-KR" dirty="0" smtClean="0"/>
+                    </a:p>
+                    <a:p>
+                      <a:pPr algn="ctr" latinLnBrk="1"/>
+                      <a:r>
+                        <a:rPr lang="ko-KR" altLang="en-US" dirty="0" smtClean="0"/>
+                        <a:t>스테이지 구현</a:t>
+                      </a:r>
                       <a:endParaRPr lang="ko-KR" altLang="en-US" dirty="0"/>
                     </a:p>
                   </a:txBody>
@@ -8280,6 +8750,49 @@
                     <a:lstStyle/>
                     <a:p>
                       <a:pPr algn="ctr" latinLnBrk="1"/>
+                      <a:r>
+                        <a:rPr lang="ko-KR" altLang="en-US" dirty="0" smtClean="0"/>
+                        <a:t>스테이지 선택 화면과 </a:t>
+                      </a:r>
+                      <a:r>
+                        <a:rPr lang="en-US" altLang="ko-KR" dirty="0" smtClean="0"/>
+                        <a:t>3</a:t>
+                      </a:r>
+                      <a:r>
+                        <a:rPr lang="ko-KR" altLang="en-US" dirty="0" smtClean="0"/>
+                        <a:t>개의 스테이지</a:t>
+                      </a:r>
+                      <a:r>
+                        <a:rPr lang="en-US" altLang="ko-KR" dirty="0" smtClean="0"/>
+                        <a:t>,</a:t>
+                      </a:r>
+                    </a:p>
+                    <a:p>
+                      <a:pPr algn="ctr" latinLnBrk="1"/>
+                      <a:r>
+                        <a:rPr lang="ko-KR" altLang="en-US" dirty="0" smtClean="0"/>
+                        <a:t>각 스테이지 별로 일반 몬스터가 있는 방과</a:t>
+                      </a:r>
+                      <a:endParaRPr lang="en-US" altLang="ko-KR" dirty="0" smtClean="0"/>
+                    </a:p>
+                    <a:p>
+                      <a:pPr algn="ctr" latinLnBrk="1"/>
+                      <a:r>
+                        <a:rPr lang="ko-KR" altLang="en-US" dirty="0" err="1" smtClean="0"/>
+                        <a:t>보스몬스터가있는</a:t>
+                      </a:r>
+                      <a:r>
+                        <a:rPr lang="ko-KR" altLang="en-US" dirty="0" smtClean="0"/>
+                        <a:t> </a:t>
+                      </a:r>
+                      <a:r>
+                        <a:rPr lang="ko-KR" altLang="en-US" dirty="0" err="1" smtClean="0"/>
+                        <a:t>보스방</a:t>
+                      </a:r>
+                      <a:r>
+                        <a:rPr lang="ko-KR" altLang="en-US" baseline="0" dirty="0" smtClean="0"/>
+                        <a:t> 구현</a:t>
+                      </a:r>
                       <a:endParaRPr lang="ko-KR" altLang="en-US" dirty="0"/>
                     </a:p>
                   </a:txBody>
@@ -8311,24 +8824,64 @@
                   </a:txBody>
                   <a:tcPr/>
                 </a:tc>
-                <a:tc>
+                <a:tc rowSpan="2">
                   <a:txBody>
                     <a:bodyPr/>
                     <a:lstStyle/>
                     <a:p>
                       <a:pPr algn="ctr" latinLnBrk="1"/>
-                      <a:endParaRPr lang="ko-KR" altLang="en-US"/>
+                      <a:r>
+                        <a:rPr lang="ko-KR" altLang="en-US" dirty="0" smtClean="0"/>
+                        <a:t>몬스터 오브젝트 최종 구현</a:t>
+                      </a:r>
+                      <a:endParaRPr lang="ko-KR" altLang="en-US" dirty="0"/>
                     </a:p>
                   </a:txBody>
-                  <a:tcPr/>
+                  <a:tcPr anchor="ctr"/>
                 </a:tc>
-                <a:tc>
+                <a:tc rowSpan="2">
                   <a:txBody>
                     <a:bodyPr/>
                     <a:lstStyle/>
                     <a:p>
                       <a:pPr algn="ctr" latinLnBrk="1"/>
-                      <a:endParaRPr lang="ko-KR" altLang="en-US" dirty="0"/>
+                      <a:r>
+                        <a:rPr lang="en-US" altLang="ko-KR" sz="1600" dirty="0" smtClean="0"/>
+                        <a:t>2</a:t>
+                      </a:r>
+                      <a:r>
+                        <a:rPr lang="ko-KR" altLang="en-US" sz="1600" dirty="0" smtClean="0"/>
+                        <a:t>가지 추가 스테이지에 맞는</a:t>
+                      </a:r>
+                      <a:endParaRPr lang="en-US" altLang="ko-KR" sz="1600" dirty="0" smtClean="0"/>
+                    </a:p>
+                    <a:p>
+                      <a:pPr algn="ctr" latinLnBrk="1"/>
+                      <a:r>
+                        <a:rPr lang="ko-KR" altLang="en-US" sz="1600" dirty="0" smtClean="0"/>
+                        <a:t>각기 다른 공격 패턴을 가진 </a:t>
+                      </a:r>
+                      <a:r>
+                        <a:rPr lang="en-US" altLang="ko-KR" sz="1600" dirty="0" smtClean="0"/>
+                        <a:t>2</a:t>
+                      </a:r>
+                      <a:r>
+                        <a:rPr lang="ko-KR" altLang="en-US" sz="1600" dirty="0" smtClean="0"/>
+                        <a:t>종의 일반 몬스터와</a:t>
+                      </a:r>
+                      <a:endParaRPr lang="en-US" altLang="ko-KR" sz="1600" dirty="0" smtClean="0"/>
+                    </a:p>
+                    <a:p>
+                      <a:pPr algn="ctr" latinLnBrk="1"/>
+                      <a:r>
+                        <a:rPr lang="ko-KR" altLang="en-US" sz="1600" dirty="0" err="1" smtClean="0"/>
+                        <a:t>보스몬스터</a:t>
+                      </a:r>
+                      <a:r>
+                        <a:rPr lang="ko-KR" altLang="en-US" sz="1600" dirty="0" smtClean="0"/>
+                        <a:t> 구현 </a:t>
+                      </a:r>
+                      <a:endParaRPr lang="ko-KR" altLang="en-US" sz="1600" dirty="0"/>
                     </a:p>
                   </a:txBody>
                   <a:tcPr/>
@@ -8359,18 +8912,18 @@
                   </a:txBody>
                   <a:tcPr/>
                 </a:tc>
-                <a:tc>
+                <a:tc vMerge="1">
                   <a:txBody>
                     <a:bodyPr/>
                     <a:lstStyle/>
                     <a:p>
                       <a:pPr algn="ctr" latinLnBrk="1"/>
-                      <a:endParaRPr lang="ko-KR" altLang="en-US"/>
+                      <a:endParaRPr lang="ko-KR" altLang="en-US" dirty="0"/>
                     </a:p>
                   </a:txBody>
                   <a:tcPr/>
                 </a:tc>
-                <a:tc>
+                <a:tc vMerge="1">
                   <a:txBody>
                     <a:bodyPr/>
                     <a:lstStyle/>
@@ -8413,7 +8966,27 @@
                     <a:lstStyle/>
                     <a:p>
                       <a:pPr algn="ctr" latinLnBrk="1"/>
-                      <a:endParaRPr lang="ko-KR" altLang="en-US"/>
+                      <a:r>
+                        <a:rPr lang="ko-KR" altLang="en-US" dirty="0" smtClean="0"/>
+                        <a:t>시작과 종료 처리 </a:t>
+                      </a:r>
+                      <a:r>
+                        <a:rPr lang="en-US" altLang="ko-KR" dirty="0" smtClean="0"/>
+                        <a:t>/  </a:t>
+                      </a:r>
+                      <a:r>
+                        <a:rPr lang="ko-KR" altLang="en-US" dirty="0" smtClean="0"/>
+                        <a:t>밸런스 조절</a:t>
+                      </a:r>
+                      <a:endParaRPr lang="en-US" altLang="ko-KR" dirty="0" smtClean="0"/>
+                    </a:p>
+                    <a:p>
+                      <a:pPr algn="ctr" latinLnBrk="1"/>
+                      <a:r>
+                        <a:rPr lang="ko-KR" altLang="en-US" dirty="0" smtClean="0"/>
+                        <a:t>사운드</a:t>
+                      </a:r>
+                      <a:endParaRPr lang="ko-KR" altLang="en-US" dirty="0"/>
                     </a:p>
                   </a:txBody>
                   <a:tcPr/>
@@ -8424,7 +8997,47 @@
                     <a:lstStyle/>
                     <a:p>
                       <a:pPr algn="ctr" latinLnBrk="1"/>
-                      <a:endParaRPr lang="ko-KR" altLang="en-US" dirty="0"/>
+                      <a:r>
+                        <a:rPr lang="ko-KR" altLang="en-US" sz="1400" dirty="0" smtClean="0"/>
+                        <a:t>게임 시작과 </a:t>
+                      </a:r>
+                      <a:r>
+                        <a:rPr lang="ko-KR" altLang="en-US" sz="1400" dirty="0" err="1" smtClean="0"/>
+                        <a:t>종료처리</a:t>
+                      </a:r>
+                      <a:r>
+                        <a:rPr lang="en-US" altLang="ko-KR" sz="1400" dirty="0" smtClean="0"/>
+                        <a:t>, </a:t>
+                      </a:r>
+                      <a:r>
+                        <a:rPr lang="ko-KR" altLang="en-US" sz="1400" dirty="0" smtClean="0"/>
+                        <a:t>캐릭터의 달리기 속도 혹은 보스몬스터의 체력 조정 등 밸런스 조정 </a:t>
+                      </a:r>
+                      <a:endParaRPr lang="en-US" altLang="ko-KR" sz="1400" dirty="0" smtClean="0"/>
+                    </a:p>
+                    <a:p>
+                      <a:pPr algn="ctr" latinLnBrk="1"/>
+                      <a:r>
+                        <a:rPr lang="ko-KR" altLang="en-US" sz="1400" dirty="0" smtClean="0"/>
+                        <a:t>배경음악</a:t>
+                      </a:r>
+                      <a:r>
+                        <a:rPr lang="en-US" altLang="ko-KR" sz="1400" dirty="0" smtClean="0"/>
+                        <a:t>, </a:t>
+                      </a:r>
+                      <a:r>
+                        <a:rPr lang="ko-KR" altLang="en-US" sz="1400" dirty="0" smtClean="0"/>
+                        <a:t>스킬</a:t>
+                      </a:r>
+                      <a:r>
+                        <a:rPr lang="ko-KR" altLang="en-US" sz="1400" baseline="0" dirty="0" smtClean="0"/>
+                        <a:t> 사운드 등 </a:t>
+                      </a:r>
+                      <a:r>
+                        <a:rPr lang="ko-KR" altLang="en-US" sz="1400" dirty="0" smtClean="0"/>
+                        <a:t>사운드 처리</a:t>
+                      </a:r>
+                      <a:endParaRPr lang="ko-KR" altLang="en-US" sz="1400" dirty="0"/>
                     </a:p>
                   </a:txBody>
                   <a:tcPr/>
@@ -8461,7 +9074,11 @@
                     <a:lstStyle/>
                     <a:p>
                       <a:pPr algn="ctr" latinLnBrk="1"/>
-                      <a:endParaRPr lang="ko-KR" altLang="en-US"/>
+                      <a:r>
+                        <a:rPr lang="ko-KR" altLang="en-US" dirty="0" smtClean="0"/>
+                        <a:t>마무리</a:t>
+                      </a:r>
+                      <a:endParaRPr lang="ko-KR" altLang="en-US" dirty="0"/>
                     </a:p>
                   </a:txBody>
                   <a:tcPr/>
@@ -8472,6 +9089,14 @@
                     <a:lstStyle/>
                     <a:p>
                       <a:pPr algn="ctr" latinLnBrk="1"/>
+                      <a:r>
+                        <a:rPr lang="ko-KR" altLang="en-US" dirty="0" smtClean="0"/>
+                        <a:t>최종 점검 및 </a:t>
+                      </a:r>
+                      <a:r>
+                        <a:rPr lang="ko-KR" altLang="en-US" dirty="0" err="1" smtClean="0"/>
+                        <a:t>릴리즈</a:t>
+                      </a:r>
                       <a:endParaRPr lang="ko-KR" altLang="en-US" dirty="0"/>
                     </a:p>
                   </a:txBody>
@@ -8494,9 +9119,9 @@
           <p:nvPr/>
         </p:nvCxnSpPr>
         <p:spPr>
-          <a:xfrm rot="16200000" flipH="1">
+          <a:xfrm>
             <a:off x="490330" y="-1"/>
-            <a:ext cx="1152939" cy="1152939"/>
+            <a:ext cx="651083" cy="609601"/>
           </a:xfrm>
           <a:prstGeom prst="bentConnector3">
             <a:avLst/>
@@ -8530,7 +9155,7 @@
         </p:nvSpPr>
         <p:spPr>
           <a:xfrm>
-            <a:off x="1510748" y="980662"/>
+            <a:off x="1153269" y="484601"/>
             <a:ext cx="249998" cy="249998"/>
           </a:xfrm>
           <a:prstGeom prst="ellipse">

--- a/2D 게임 프로그래밍 1차발표.pptx
+++ b/2D 게임 프로그래밍 1차발표.pptx
@@ -8,8 +8,9 @@
     <p:sldId id="256" r:id="rId2"/>
     <p:sldId id="258" r:id="rId3"/>
     <p:sldId id="260" r:id="rId4"/>
-    <p:sldId id="259" r:id="rId5"/>
-    <p:sldId id="257" r:id="rId6"/>
+    <p:sldId id="261" r:id="rId5"/>
+    <p:sldId id="259" r:id="rId6"/>
+    <p:sldId id="257" r:id="rId7"/>
   </p:sldIdLst>
   <p:sldSz cx="12192000" cy="6858000"/>
   <p:notesSz cx="6858000" cy="9144000"/>
@@ -6713,6 +6714,41 @@
           <a:chExt cx="0" cy="0"/>
         </a:xfrm>
       </p:grpSpPr>
+      <p:cxnSp>
+        <p:nvCxnSpPr>
+          <p:cNvPr id="6" name="직선 연결선 5"/>
+          <p:cNvCxnSpPr/>
+          <p:nvPr/>
+        </p:nvCxnSpPr>
+        <p:spPr>
+          <a:xfrm>
+            <a:off x="0" y="963849"/>
+            <a:ext cx="3048000" cy="0"/>
+          </a:xfrm>
+          <a:prstGeom prst="line">
+            <a:avLst/>
+          </a:prstGeom>
+          <a:ln w="57150">
+            <a:solidFill>
+              <a:schemeClr val="tx1"/>
+            </a:solidFill>
+          </a:ln>
+        </p:spPr>
+        <p:style>
+          <a:lnRef idx="1">
+            <a:schemeClr val="accent1"/>
+          </a:lnRef>
+          <a:fillRef idx="0">
+            <a:schemeClr val="accent1"/>
+          </a:fillRef>
+          <a:effectRef idx="0">
+            <a:schemeClr val="accent1"/>
+          </a:effectRef>
+          <a:fontRef idx="minor">
+            <a:schemeClr val="tx1"/>
+          </a:fontRef>
+        </p:style>
+      </p:cxnSp>
       <p:pic>
         <p:nvPicPr>
           <p:cNvPr id="4" name="내용 개체 틀 3"/>
@@ -6757,9 +6793,7 @@
             <a:off x="0" y="0"/>
             <a:ext cx="3048000" cy="910856"/>
           </a:xfrm>
-          <a:solidFill>
-            <a:schemeClr val="tx1"/>
-          </a:solidFill>
+          <a:noFill/>
         </p:spPr>
         <p:txBody>
           <a:bodyPr/>
@@ -6767,7 +6801,11 @@
           <a:p>
             <a:r>
               <a:rPr lang="ko-KR" altLang="en-US" dirty="0" smtClean="0"/>
-              <a:t>게임 실행 흐름</a:t>
+              <a:t>게임 </a:t>
+            </a:r>
+            <a:r>
+              <a:rPr lang="ko-KR" altLang="en-US" dirty="0" smtClean="0"/>
+              <a:t>화면 구성</a:t>
             </a:r>
             <a:endParaRPr lang="ko-KR" altLang="en-US" dirty="0"/>
           </a:p>
@@ -6781,7 +6819,7 @@
         </p:nvSpPr>
         <p:spPr>
           <a:xfrm>
-            <a:off x="8134184" y="270762"/>
+            <a:off x="4162507" y="5124616"/>
             <a:ext cx="3546282" cy="369332"/>
           </a:xfrm>
           <a:prstGeom prst="rect">
@@ -6796,14 +6834,10 @@
           <a:lstStyle/>
           <a:p>
             <a:r>
-              <a:rPr lang="ko-KR" altLang="en-US" dirty="0" smtClean="0"/>
-              <a:t>플레이어의 </a:t>
-            </a:r>
-            <a:r>
-              <a:rPr lang="en-US" altLang="ko-KR" dirty="0" smtClean="0"/>
-              <a:t>HP,MP</a:t>
-            </a:r>
-            <a:endParaRPr lang="ko-KR" altLang="en-US" dirty="0"/>
+              <a:rPr lang="ko-KR" altLang="en-US" b="1" dirty="0" smtClean="0"/>
+              <a:t>플레이어</a:t>
+            </a:r>
+            <a:endParaRPr lang="ko-KR" altLang="en-US" b="1" dirty="0"/>
           </a:p>
         </p:txBody>
       </p:sp>
@@ -7016,6 +7050,70 @@
           </a:p>
         </p:txBody>
       </p:sp>
+      <p:sp>
+        <p:nvSpPr>
+          <p:cNvPr id="12" name="TextBox 11"/>
+          <p:cNvSpPr txBox="1"/>
+          <p:nvPr/>
+        </p:nvSpPr>
+        <p:spPr>
+          <a:xfrm>
+            <a:off x="8286584" y="423162"/>
+            <a:ext cx="3546282" cy="369332"/>
+          </a:xfrm>
+          <a:prstGeom prst="rect">
+            <a:avLst/>
+          </a:prstGeom>
+          <a:noFill/>
+        </p:spPr>
+        <p:txBody>
+          <a:bodyPr wrap="square" rtlCol="0">
+            <a:spAutoFit/>
+          </a:bodyPr>
+          <a:lstStyle/>
+          <a:p>
+            <a:r>
+              <a:rPr lang="ko-KR" altLang="en-US" dirty="0" smtClean="0"/>
+              <a:t>플레이어의 </a:t>
+            </a:r>
+            <a:r>
+              <a:rPr lang="en-US" altLang="ko-KR" dirty="0" smtClean="0"/>
+              <a:t>HP,MP</a:t>
+            </a:r>
+            <a:endParaRPr lang="ko-KR" altLang="en-US" dirty="0"/>
+          </a:p>
+        </p:txBody>
+      </p:sp>
+      <p:sp>
+        <p:nvSpPr>
+          <p:cNvPr id="13" name="TextBox 12"/>
+          <p:cNvSpPr txBox="1"/>
+          <p:nvPr/>
+        </p:nvSpPr>
+        <p:spPr>
+          <a:xfrm>
+            <a:off x="5846859" y="2549237"/>
+            <a:ext cx="3546282" cy="369332"/>
+          </a:xfrm>
+          <a:prstGeom prst="rect">
+            <a:avLst/>
+          </a:prstGeom>
+          <a:noFill/>
+        </p:spPr>
+        <p:txBody>
+          <a:bodyPr wrap="square" rtlCol="0">
+            <a:spAutoFit/>
+          </a:bodyPr>
+          <a:lstStyle/>
+          <a:p>
+            <a:r>
+              <a:rPr lang="ko-KR" altLang="en-US" b="1" dirty="0" smtClean="0"/>
+              <a:t>보스 몬스터</a:t>
+            </a:r>
+            <a:endParaRPr lang="ko-KR" altLang="en-US" b="1" dirty="0"/>
+          </a:p>
+        </p:txBody>
+      </p:sp>
     </p:spTree>
     <p:extLst>
       <p:ext uri="{BB962C8B-B14F-4D97-AF65-F5344CB8AC3E}">
@@ -7037,6 +7135,740 @@
 </file>
 
 <file path=ppt/slides/slide4.xml><?xml version="1.0" encoding="utf-8"?>
+<p:sld xmlns:a="http://schemas.openxmlformats.org/drawingml/2006/main" xmlns:r="http://schemas.openxmlformats.org/officeDocument/2006/relationships" xmlns:p="http://schemas.openxmlformats.org/presentationml/2006/main">
+  <p:cSld>
+    <p:spTree>
+      <p:nvGrpSpPr>
+        <p:cNvPr id="1" name=""/>
+        <p:cNvGrpSpPr/>
+        <p:nvPr/>
+      </p:nvGrpSpPr>
+      <p:grpSpPr>
+        <a:xfrm>
+          <a:off x="0" y="0"/>
+          <a:ext cx="0" cy="0"/>
+          <a:chOff x="0" y="0"/>
+          <a:chExt cx="0" cy="0"/>
+        </a:xfrm>
+      </p:grpSpPr>
+      <p:sp>
+        <p:nvSpPr>
+          <p:cNvPr id="2" name="제목 1"/>
+          <p:cNvSpPr>
+            <a:spLocks noGrp="1"/>
+          </p:cNvSpPr>
+          <p:nvPr>
+            <p:ph type="title"/>
+          </p:nvPr>
+        </p:nvSpPr>
+        <p:spPr>
+          <a:xfrm>
+            <a:off x="1141413" y="0"/>
+            <a:ext cx="9905998" cy="1905000"/>
+          </a:xfrm>
+        </p:spPr>
+        <p:txBody>
+          <a:bodyPr/>
+          <a:lstStyle/>
+          <a:p>
+            <a:r>
+              <a:rPr lang="ko-KR" altLang="en-US" dirty="0" smtClean="0"/>
+              <a:t>게임 실행 흐름</a:t>
+            </a:r>
+            <a:endParaRPr lang="ko-KR" altLang="en-US" dirty="0"/>
+          </a:p>
+        </p:txBody>
+      </p:sp>
+      <p:cxnSp>
+        <p:nvCxnSpPr>
+          <p:cNvPr id="5" name="직선 연결선 4"/>
+          <p:cNvCxnSpPr>
+            <a:endCxn id="2" idx="1"/>
+          </p:cNvCxnSpPr>
+          <p:nvPr/>
+        </p:nvCxnSpPr>
+        <p:spPr>
+          <a:xfrm>
+            <a:off x="0" y="952500"/>
+            <a:ext cx="1141413" cy="0"/>
+          </a:xfrm>
+          <a:prstGeom prst="line">
+            <a:avLst/>
+          </a:prstGeom>
+          <a:ln w="38100">
+            <a:solidFill>
+              <a:schemeClr val="tx1"/>
+            </a:solidFill>
+          </a:ln>
+        </p:spPr>
+        <p:style>
+          <a:lnRef idx="1">
+            <a:schemeClr val="accent1"/>
+          </a:lnRef>
+          <a:fillRef idx="0">
+            <a:schemeClr val="accent1"/>
+          </a:fillRef>
+          <a:effectRef idx="0">
+            <a:schemeClr val="accent1"/>
+          </a:effectRef>
+          <a:fontRef idx="minor">
+            <a:schemeClr val="tx1"/>
+          </a:fontRef>
+        </p:style>
+      </p:cxnSp>
+      <p:cxnSp>
+        <p:nvCxnSpPr>
+          <p:cNvPr id="6" name="직선 연결선 5"/>
+          <p:cNvCxnSpPr/>
+          <p:nvPr/>
+        </p:nvCxnSpPr>
+        <p:spPr>
+          <a:xfrm>
+            <a:off x="3937221" y="952500"/>
+            <a:ext cx="8254779" cy="0"/>
+          </a:xfrm>
+          <a:prstGeom prst="line">
+            <a:avLst/>
+          </a:prstGeom>
+          <a:ln w="38100">
+            <a:solidFill>
+              <a:schemeClr val="tx1"/>
+            </a:solidFill>
+          </a:ln>
+        </p:spPr>
+        <p:style>
+          <a:lnRef idx="1">
+            <a:schemeClr val="accent1"/>
+          </a:lnRef>
+          <a:fillRef idx="0">
+            <a:schemeClr val="accent1"/>
+          </a:fillRef>
+          <a:effectRef idx="0">
+            <a:schemeClr val="accent1"/>
+          </a:effectRef>
+          <a:fontRef idx="minor">
+            <a:schemeClr val="tx1"/>
+          </a:fontRef>
+        </p:style>
+      </p:cxnSp>
+      <p:pic>
+        <p:nvPicPr>
+          <p:cNvPr id="9" name="그림 8"/>
+          <p:cNvPicPr>
+            <a:picLocks noChangeAspect="1"/>
+          </p:cNvPicPr>
+          <p:nvPr/>
+        </p:nvPicPr>
+        <p:blipFill>
+          <a:blip r:embed="rId2" cstate="print">
+            <a:extLst>
+              <a:ext uri="{28A0092B-C50C-407E-A947-70E740481C1C}">
+                <a14:useLocalDpi xmlns:a14="http://schemas.microsoft.com/office/drawing/2010/main" val="0"/>
+              </a:ext>
+            </a:extLst>
+          </a:blip>
+          <a:stretch>
+            <a:fillRect/>
+          </a:stretch>
+        </p:blipFill>
+        <p:spPr>
+          <a:xfrm>
+            <a:off x="1057524" y="1464605"/>
+            <a:ext cx="1881748" cy="1392895"/>
+          </a:xfrm>
+          <a:prstGeom prst="rect">
+            <a:avLst/>
+          </a:prstGeom>
+        </p:spPr>
+      </p:pic>
+      <p:sp>
+        <p:nvSpPr>
+          <p:cNvPr id="10" name="TextBox 9"/>
+          <p:cNvSpPr txBox="1"/>
+          <p:nvPr/>
+        </p:nvSpPr>
+        <p:spPr>
+          <a:xfrm>
+            <a:off x="1057524" y="2857500"/>
+            <a:ext cx="2631882" cy="369332"/>
+          </a:xfrm>
+          <a:prstGeom prst="rect">
+            <a:avLst/>
+          </a:prstGeom>
+          <a:noFill/>
+        </p:spPr>
+        <p:txBody>
+          <a:bodyPr wrap="square" rtlCol="0">
+            <a:spAutoFit/>
+          </a:bodyPr>
+          <a:lstStyle/>
+          <a:p>
+            <a:r>
+              <a:rPr lang="ko-KR" altLang="en-US" dirty="0" smtClean="0"/>
+              <a:t>스테이지 입장</a:t>
+            </a:r>
+            <a:endParaRPr lang="ko-KR" altLang="en-US" dirty="0"/>
+          </a:p>
+        </p:txBody>
+      </p:sp>
+      <p:sp>
+        <p:nvSpPr>
+          <p:cNvPr id="11" name="오른쪽 화살표 10"/>
+          <p:cNvSpPr/>
+          <p:nvPr/>
+        </p:nvSpPr>
+        <p:spPr>
+          <a:xfrm>
+            <a:off x="3164619" y="1717482"/>
+            <a:ext cx="683812" cy="652007"/>
+          </a:xfrm>
+          <a:prstGeom prst="rightArrow">
+            <a:avLst/>
+          </a:prstGeom>
+          <a:solidFill>
+            <a:schemeClr val="tx1"/>
+          </a:solidFill>
+        </p:spPr>
+        <p:style>
+          <a:lnRef idx="2">
+            <a:schemeClr val="accent1">
+              <a:shade val="50000"/>
+            </a:schemeClr>
+          </a:lnRef>
+          <a:fillRef idx="1">
+            <a:schemeClr val="accent1"/>
+          </a:fillRef>
+          <a:effectRef idx="0">
+            <a:schemeClr val="accent1"/>
+          </a:effectRef>
+          <a:fontRef idx="minor">
+            <a:schemeClr val="lt1"/>
+          </a:fontRef>
+        </p:style>
+        <p:txBody>
+          <a:bodyPr rtlCol="0" anchor="ctr"/>
+          <a:lstStyle/>
+          <a:p>
+            <a:pPr algn="ctr"/>
+            <a:endParaRPr lang="ko-KR" altLang="en-US"/>
+          </a:p>
+        </p:txBody>
+      </p:sp>
+      <p:pic>
+        <p:nvPicPr>
+          <p:cNvPr id="12" name="그림 11"/>
+          <p:cNvPicPr>
+            <a:picLocks noChangeAspect="1"/>
+          </p:cNvPicPr>
+          <p:nvPr/>
+        </p:nvPicPr>
+        <p:blipFill>
+          <a:blip r:embed="rId3" cstate="print">
+            <a:extLst>
+              <a:ext uri="{28A0092B-C50C-407E-A947-70E740481C1C}">
+                <a14:useLocalDpi xmlns:a14="http://schemas.microsoft.com/office/drawing/2010/main" val="0"/>
+              </a:ext>
+            </a:extLst>
+          </a:blip>
+          <a:stretch>
+            <a:fillRect/>
+          </a:stretch>
+        </p:blipFill>
+        <p:spPr>
+          <a:xfrm>
+            <a:off x="5227000" y="3860794"/>
+            <a:ext cx="3236209" cy="2126537"/>
+          </a:xfrm>
+          <a:prstGeom prst="rect">
+            <a:avLst/>
+          </a:prstGeom>
+        </p:spPr>
+      </p:pic>
+      <p:pic>
+        <p:nvPicPr>
+          <p:cNvPr id="13" name="그림 12"/>
+          <p:cNvPicPr>
+            <a:picLocks noChangeAspect="1"/>
+          </p:cNvPicPr>
+          <p:nvPr/>
+        </p:nvPicPr>
+        <p:blipFill rotWithShape="1">
+          <a:blip r:embed="rId4">
+            <a:extLst>
+              <a:ext uri="{28A0092B-C50C-407E-A947-70E740481C1C}">
+                <a14:useLocalDpi xmlns:a14="http://schemas.microsoft.com/office/drawing/2010/main" val="0"/>
+              </a:ext>
+            </a:extLst>
+          </a:blip>
+          <a:srcRect l="4003" r="15433" b="9581"/>
+          <a:stretch/>
+        </p:blipFill>
+        <p:spPr>
+          <a:xfrm>
+            <a:off x="4073778" y="1464605"/>
+            <a:ext cx="2846567" cy="1366059"/>
+          </a:xfrm>
+          <a:prstGeom prst="rect">
+            <a:avLst/>
+          </a:prstGeom>
+        </p:spPr>
+      </p:pic>
+      <p:sp>
+        <p:nvSpPr>
+          <p:cNvPr id="14" name="TextBox 13"/>
+          <p:cNvSpPr txBox="1"/>
+          <p:nvPr/>
+        </p:nvSpPr>
+        <p:spPr>
+          <a:xfrm>
+            <a:off x="4730855" y="2888278"/>
+            <a:ext cx="2631882" cy="338554"/>
+          </a:xfrm>
+          <a:prstGeom prst="rect">
+            <a:avLst/>
+          </a:prstGeom>
+          <a:noFill/>
+        </p:spPr>
+        <p:txBody>
+          <a:bodyPr wrap="square" rtlCol="0">
+            <a:spAutoFit/>
+          </a:bodyPr>
+          <a:lstStyle/>
+          <a:p>
+            <a:r>
+              <a:rPr lang="ko-KR" altLang="en-US" sz="1600" dirty="0" smtClean="0"/>
+              <a:t>몬스터 조우</a:t>
+            </a:r>
+            <a:endParaRPr lang="en-US" altLang="ko-KR" sz="1600" dirty="0" smtClean="0"/>
+          </a:p>
+        </p:txBody>
+      </p:sp>
+      <p:pic>
+        <p:nvPicPr>
+          <p:cNvPr id="15" name="그림 14"/>
+          <p:cNvPicPr>
+            <a:picLocks noChangeAspect="1"/>
+          </p:cNvPicPr>
+          <p:nvPr/>
+        </p:nvPicPr>
+        <p:blipFill>
+          <a:blip r:embed="rId5">
+            <a:extLst>
+              <a:ext uri="{28A0092B-C50C-407E-A947-70E740481C1C}">
+                <a14:useLocalDpi xmlns:a14="http://schemas.microsoft.com/office/drawing/2010/main" val="0"/>
+              </a:ext>
+            </a:extLst>
+          </a:blip>
+          <a:stretch>
+            <a:fillRect/>
+          </a:stretch>
+        </p:blipFill>
+        <p:spPr>
+          <a:xfrm>
+            <a:off x="8463209" y="1372285"/>
+            <a:ext cx="2868244" cy="1577534"/>
+          </a:xfrm>
+          <a:prstGeom prst="rect">
+            <a:avLst/>
+          </a:prstGeom>
+        </p:spPr>
+      </p:pic>
+      <p:sp>
+        <p:nvSpPr>
+          <p:cNvPr id="16" name="오른쪽 화살표 15"/>
+          <p:cNvSpPr/>
+          <p:nvPr/>
+        </p:nvSpPr>
+        <p:spPr>
+          <a:xfrm>
+            <a:off x="7362737" y="1751647"/>
+            <a:ext cx="683812" cy="652007"/>
+          </a:xfrm>
+          <a:prstGeom prst="rightArrow">
+            <a:avLst/>
+          </a:prstGeom>
+          <a:solidFill>
+            <a:schemeClr val="tx1"/>
+          </a:solidFill>
+        </p:spPr>
+        <p:style>
+          <a:lnRef idx="2">
+            <a:schemeClr val="accent1">
+              <a:shade val="50000"/>
+            </a:schemeClr>
+          </a:lnRef>
+          <a:fillRef idx="1">
+            <a:schemeClr val="accent1"/>
+          </a:fillRef>
+          <a:effectRef idx="0">
+            <a:schemeClr val="accent1"/>
+          </a:effectRef>
+          <a:fontRef idx="minor">
+            <a:schemeClr val="lt1"/>
+          </a:fontRef>
+        </p:style>
+        <p:txBody>
+          <a:bodyPr rtlCol="0" anchor="ctr"/>
+          <a:lstStyle/>
+          <a:p>
+            <a:pPr algn="ctr"/>
+            <a:endParaRPr lang="ko-KR" altLang="en-US"/>
+          </a:p>
+        </p:txBody>
+      </p:sp>
+      <p:sp>
+        <p:nvSpPr>
+          <p:cNvPr id="17" name="TextBox 16"/>
+          <p:cNvSpPr txBox="1"/>
+          <p:nvPr/>
+        </p:nvSpPr>
+        <p:spPr>
+          <a:xfrm>
+            <a:off x="8463209" y="3000271"/>
+            <a:ext cx="2631882" cy="646331"/>
+          </a:xfrm>
+          <a:prstGeom prst="rect">
+            <a:avLst/>
+          </a:prstGeom>
+          <a:noFill/>
+        </p:spPr>
+        <p:txBody>
+          <a:bodyPr wrap="square" rtlCol="0">
+            <a:spAutoFit/>
+          </a:bodyPr>
+          <a:lstStyle/>
+          <a:p>
+            <a:r>
+              <a:rPr lang="ko-KR" altLang="en-US" dirty="0" smtClean="0"/>
+              <a:t>몬스터를 공격하여</a:t>
+            </a:r>
+            <a:endParaRPr lang="en-US" altLang="ko-KR" dirty="0" smtClean="0"/>
+          </a:p>
+          <a:p>
+            <a:r>
+              <a:rPr lang="ko-KR" altLang="en-US" dirty="0" smtClean="0"/>
+              <a:t>몬스터 처치</a:t>
+            </a:r>
+            <a:endParaRPr lang="ko-KR" altLang="en-US" dirty="0"/>
+          </a:p>
+        </p:txBody>
+      </p:sp>
+      <p:sp>
+        <p:nvSpPr>
+          <p:cNvPr id="18" name="오른쪽 화살표 17"/>
+          <p:cNvSpPr/>
+          <p:nvPr/>
+        </p:nvSpPr>
+        <p:spPr>
+          <a:xfrm>
+            <a:off x="228800" y="4598060"/>
+            <a:ext cx="683812" cy="652007"/>
+          </a:xfrm>
+          <a:prstGeom prst="rightArrow">
+            <a:avLst/>
+          </a:prstGeom>
+          <a:solidFill>
+            <a:schemeClr val="tx1"/>
+          </a:solidFill>
+        </p:spPr>
+        <p:style>
+          <a:lnRef idx="2">
+            <a:schemeClr val="accent1">
+              <a:shade val="50000"/>
+            </a:schemeClr>
+          </a:lnRef>
+          <a:fillRef idx="1">
+            <a:schemeClr val="accent1"/>
+          </a:fillRef>
+          <a:effectRef idx="0">
+            <a:schemeClr val="accent1"/>
+          </a:effectRef>
+          <a:fontRef idx="minor">
+            <a:schemeClr val="lt1"/>
+          </a:fontRef>
+        </p:style>
+        <p:txBody>
+          <a:bodyPr rtlCol="0" anchor="ctr"/>
+          <a:lstStyle/>
+          <a:p>
+            <a:pPr algn="ctr"/>
+            <a:endParaRPr lang="ko-KR" altLang="en-US"/>
+          </a:p>
+        </p:txBody>
+      </p:sp>
+      <p:pic>
+        <p:nvPicPr>
+          <p:cNvPr id="19" name="그림 18"/>
+          <p:cNvPicPr>
+            <a:picLocks noChangeAspect="1"/>
+          </p:cNvPicPr>
+          <p:nvPr/>
+        </p:nvPicPr>
+        <p:blipFill>
+          <a:blip r:embed="rId6">
+            <a:extLst>
+              <a:ext uri="{28A0092B-C50C-407E-A947-70E740481C1C}">
+                <a14:useLocalDpi xmlns:a14="http://schemas.microsoft.com/office/drawing/2010/main" val="0"/>
+              </a:ext>
+            </a:extLst>
+          </a:blip>
+          <a:stretch>
+            <a:fillRect/>
+          </a:stretch>
+        </p:blipFill>
+        <p:spPr>
+          <a:xfrm>
+            <a:off x="1141413" y="4086971"/>
+            <a:ext cx="2208307" cy="1726831"/>
+          </a:xfrm>
+          <a:prstGeom prst="rect">
+            <a:avLst/>
+          </a:prstGeom>
+        </p:spPr>
+      </p:pic>
+      <p:sp>
+        <p:nvSpPr>
+          <p:cNvPr id="20" name="TextBox 19"/>
+          <p:cNvSpPr txBox="1"/>
+          <p:nvPr/>
+        </p:nvSpPr>
+        <p:spPr>
+          <a:xfrm>
+            <a:off x="1507173" y="5818054"/>
+            <a:ext cx="2631882" cy="338554"/>
+          </a:xfrm>
+          <a:prstGeom prst="rect">
+            <a:avLst/>
+          </a:prstGeom>
+          <a:noFill/>
+        </p:spPr>
+        <p:txBody>
+          <a:bodyPr wrap="square" rtlCol="0">
+            <a:spAutoFit/>
+          </a:bodyPr>
+          <a:lstStyle/>
+          <a:p>
+            <a:r>
+              <a:rPr lang="ko-KR" altLang="en-US" sz="1600" smtClean="0"/>
+              <a:t>다음 맵 이동</a:t>
+            </a:r>
+            <a:endParaRPr lang="en-US" altLang="ko-KR" sz="1600" dirty="0" smtClean="0"/>
+          </a:p>
+        </p:txBody>
+      </p:sp>
+      <p:sp>
+        <p:nvSpPr>
+          <p:cNvPr id="21" name="TextBox 20"/>
+          <p:cNvSpPr txBox="1"/>
+          <p:nvPr/>
+        </p:nvSpPr>
+        <p:spPr>
+          <a:xfrm>
+            <a:off x="5969180" y="5987331"/>
+            <a:ext cx="2631882" cy="338554"/>
+          </a:xfrm>
+          <a:prstGeom prst="rect">
+            <a:avLst/>
+          </a:prstGeom>
+          <a:noFill/>
+        </p:spPr>
+        <p:txBody>
+          <a:bodyPr wrap="square" rtlCol="0">
+            <a:spAutoFit/>
+          </a:bodyPr>
+          <a:lstStyle/>
+          <a:p>
+            <a:r>
+              <a:rPr lang="ko-KR" altLang="en-US" sz="1600" dirty="0" smtClean="0"/>
+              <a:t>보스 처치</a:t>
+            </a:r>
+            <a:endParaRPr lang="en-US" altLang="ko-KR" sz="1600" dirty="0" smtClean="0"/>
+          </a:p>
+        </p:txBody>
+      </p:sp>
+      <p:sp>
+        <p:nvSpPr>
+          <p:cNvPr id="22" name="오른쪽 화살표 21"/>
+          <p:cNvSpPr/>
+          <p:nvPr/>
+        </p:nvSpPr>
+        <p:spPr>
+          <a:xfrm>
+            <a:off x="4000325" y="4624382"/>
+            <a:ext cx="683812" cy="652007"/>
+          </a:xfrm>
+          <a:prstGeom prst="rightArrow">
+            <a:avLst/>
+          </a:prstGeom>
+          <a:solidFill>
+            <a:schemeClr val="tx1"/>
+          </a:solidFill>
+        </p:spPr>
+        <p:style>
+          <a:lnRef idx="2">
+            <a:schemeClr val="accent1">
+              <a:shade val="50000"/>
+            </a:schemeClr>
+          </a:lnRef>
+          <a:fillRef idx="1">
+            <a:schemeClr val="accent1"/>
+          </a:fillRef>
+          <a:effectRef idx="0">
+            <a:schemeClr val="accent1"/>
+          </a:effectRef>
+          <a:fontRef idx="minor">
+            <a:schemeClr val="lt1"/>
+          </a:fontRef>
+        </p:style>
+        <p:txBody>
+          <a:bodyPr rtlCol="0" anchor="ctr"/>
+          <a:lstStyle/>
+          <a:p>
+            <a:pPr algn="ctr"/>
+            <a:endParaRPr lang="ko-KR" altLang="en-US"/>
+          </a:p>
+        </p:txBody>
+      </p:sp>
+      <p:sp>
+        <p:nvSpPr>
+          <p:cNvPr id="23" name="TextBox 22"/>
+          <p:cNvSpPr txBox="1"/>
+          <p:nvPr/>
+        </p:nvSpPr>
+        <p:spPr>
+          <a:xfrm>
+            <a:off x="8601063" y="3983603"/>
+            <a:ext cx="3590938" cy="1754326"/>
+          </a:xfrm>
+          <a:prstGeom prst="rect">
+            <a:avLst/>
+          </a:prstGeom>
+          <a:noFill/>
+        </p:spPr>
+        <p:txBody>
+          <a:bodyPr wrap="square" rtlCol="0">
+            <a:spAutoFit/>
+          </a:bodyPr>
+          <a:lstStyle/>
+          <a:p>
+            <a:pPr marL="285750" indent="-285750">
+              <a:buFont typeface="Arial" panose="020B0604020202020204" pitchFamily="34" charset="0"/>
+              <a:buChar char="•"/>
+            </a:pPr>
+            <a:r>
+              <a:rPr lang="ko-KR" altLang="en-US" dirty="0" err="1" smtClean="0">
+                <a:ea typeface="문체부 궁체 정자체" panose="02030609000101010101" pitchFamily="17" charset="-127"/>
+              </a:rPr>
+              <a:t>몬스터에게</a:t>
+            </a:r>
+            <a:r>
+              <a:rPr lang="ko-KR" altLang="en-US" dirty="0" smtClean="0">
+                <a:ea typeface="문체부 궁체 정자체" panose="02030609000101010101" pitchFamily="17" charset="-127"/>
+              </a:rPr>
+              <a:t> 접근 하면 몬스터가 플레이어를 발견하고 접근</a:t>
+            </a:r>
+            <a:endParaRPr lang="en-US" altLang="ko-KR" dirty="0" smtClean="0">
+              <a:ea typeface="문체부 궁체 정자체" panose="02030609000101010101" pitchFamily="17" charset="-127"/>
+            </a:endParaRPr>
+          </a:p>
+          <a:p>
+            <a:pPr marL="285750" indent="-285750">
+              <a:buFont typeface="Arial" panose="020B0604020202020204" pitchFamily="34" charset="0"/>
+              <a:buChar char="•"/>
+            </a:pPr>
+            <a:r>
+              <a:rPr lang="ko-KR" altLang="en-US" dirty="0" smtClean="0">
+                <a:ea typeface="문체부 궁체 정자체" panose="02030609000101010101" pitchFamily="17" charset="-127"/>
+              </a:rPr>
+              <a:t>방에 있는 모든 </a:t>
+            </a:r>
+            <a:r>
+              <a:rPr lang="ko-KR" altLang="en-US" dirty="0" err="1" smtClean="0">
+                <a:ea typeface="문체부 궁체 정자체" panose="02030609000101010101" pitchFamily="17" charset="-127"/>
+              </a:rPr>
+              <a:t>몬스터들을</a:t>
+            </a:r>
+            <a:r>
+              <a:rPr lang="ko-KR" altLang="en-US" dirty="0" smtClean="0">
+                <a:ea typeface="문체부 궁체 정자체" panose="02030609000101010101" pitchFamily="17" charset="-127"/>
+              </a:rPr>
+              <a:t> </a:t>
+            </a:r>
+            <a:endParaRPr lang="en-US" altLang="ko-KR" dirty="0" smtClean="0">
+              <a:ea typeface="문체부 궁체 정자체" panose="02030609000101010101" pitchFamily="17" charset="-127"/>
+            </a:endParaRPr>
+          </a:p>
+          <a:p>
+            <a:pPr marL="285750" indent="-285750">
+              <a:buFont typeface="Arial" panose="020B0604020202020204" pitchFamily="34" charset="0"/>
+              <a:buChar char="•"/>
+            </a:pPr>
+            <a:r>
+              <a:rPr lang="ko-KR" altLang="en-US" dirty="0" smtClean="0">
+                <a:ea typeface="문체부 궁체 정자체" panose="02030609000101010101" pitchFamily="17" charset="-127"/>
+              </a:rPr>
+              <a:t>처치하고 </a:t>
+            </a:r>
+            <a:r>
+              <a:rPr lang="ko-KR" altLang="en-US" dirty="0" err="1" smtClean="0">
+                <a:ea typeface="문체부 궁체 정자체" panose="02030609000101010101" pitchFamily="17" charset="-127"/>
+              </a:rPr>
+              <a:t>보스방으로</a:t>
+            </a:r>
+            <a:r>
+              <a:rPr lang="ko-KR" altLang="en-US" dirty="0" smtClean="0">
+                <a:ea typeface="문체부 궁체 정자체" panose="02030609000101010101" pitchFamily="17" charset="-127"/>
+              </a:rPr>
+              <a:t> 이동</a:t>
+            </a:r>
+            <a:endParaRPr lang="en-US" altLang="ko-KR" dirty="0" smtClean="0">
+              <a:ea typeface="문체부 궁체 정자체" panose="02030609000101010101" pitchFamily="17" charset="-127"/>
+            </a:endParaRPr>
+          </a:p>
+          <a:p>
+            <a:pPr marL="285750" indent="-285750">
+              <a:buFont typeface="Arial" panose="020B0604020202020204" pitchFamily="34" charset="0"/>
+              <a:buChar char="•"/>
+            </a:pPr>
+            <a:r>
+              <a:rPr lang="ko-KR" altLang="en-US" dirty="0" smtClean="0">
+                <a:ea typeface="문체부 궁체 정자체" panose="02030609000101010101" pitchFamily="17" charset="-127"/>
+              </a:rPr>
+              <a:t>보스몬스터를 처치하면 스테이지 </a:t>
+            </a:r>
+            <a:r>
+              <a:rPr lang="ko-KR" altLang="en-US" dirty="0" err="1" smtClean="0">
+                <a:ea typeface="문체부 궁체 정자체" panose="02030609000101010101" pitchFamily="17" charset="-127"/>
+              </a:rPr>
+              <a:t>클리어</a:t>
+            </a:r>
+            <a:endParaRPr lang="ko-KR" altLang="en-US" dirty="0">
+              <a:ea typeface="문체부 궁체 정자체" panose="02030609000101010101" pitchFamily="17" charset="-127"/>
+            </a:endParaRPr>
+          </a:p>
+        </p:txBody>
+      </p:sp>
+    </p:spTree>
+    <p:extLst>
+      <p:ext uri="{BB962C8B-B14F-4D97-AF65-F5344CB8AC3E}">
+        <p14:creationId xmlns:p14="http://schemas.microsoft.com/office/powerpoint/2010/main" val="2457620239"/>
+      </p:ext>
+    </p:extLst>
+  </p:cSld>
+  <p:clrMapOvr>
+    <a:masterClrMapping/>
+  </p:clrMapOvr>
+  <p:timing>
+    <p:tnLst>
+      <p:par>
+        <p:cTn id="1" dur="indefinite" restart="never" nodeType="tmRoot"/>
+      </p:par>
+    </p:tnLst>
+  </p:timing>
+</p:sld>
+</file>
+
+<file path=ppt/slides/slide5.xml><?xml version="1.0" encoding="utf-8"?>
 <p:sld xmlns:a="http://schemas.openxmlformats.org/drawingml/2006/main" xmlns:r="http://schemas.openxmlformats.org/officeDocument/2006/relationships" xmlns:p="http://schemas.openxmlformats.org/presentationml/2006/main">
   <p:cSld>
     <p:spTree>
@@ -7924,11 +8756,7 @@
                       </a:r>
                       <a:r>
                         <a:rPr lang="ko-KR" altLang="en-US" dirty="0" smtClean="0"/>
-                        <a:t> 시스템 </a:t>
-                      </a:r>
-                      <a:r>
-                        <a:rPr lang="ko-KR" altLang="en-US" dirty="0" smtClean="0"/>
-                        <a:t>추가</a:t>
+                        <a:t> 시스템 추가</a:t>
                       </a:r>
                       <a:endParaRPr lang="en-US" altLang="ko-KR" dirty="0" smtClean="0"/>
                     </a:p>
@@ -8197,7 +9025,7 @@
 </p:sld>
 </file>
 
-<file path=ppt/slides/slide5.xml><?xml version="1.0" encoding="utf-8"?>
+<file path=ppt/slides/slide6.xml><?xml version="1.0" encoding="utf-8"?>
 <p:sld xmlns:a="http://schemas.openxmlformats.org/drawingml/2006/main" xmlns:r="http://schemas.openxmlformats.org/officeDocument/2006/relationships" xmlns:p="http://schemas.openxmlformats.org/presentationml/2006/main">
   <p:cSld>
     <p:spTree>
@@ -8236,11 +9064,7 @@
           <a:p>
             <a:r>
               <a:rPr lang="ko-KR" altLang="en-US" dirty="0" smtClean="0"/>
-              <a:t>개발 </a:t>
-            </a:r>
-            <a:r>
-              <a:rPr lang="ko-KR" altLang="en-US" dirty="0" smtClean="0"/>
-              <a:t>계획</a:t>
+              <a:t>개발 계획</a:t>
             </a:r>
             <a:endParaRPr lang="ko-KR" altLang="en-US" dirty="0"/>
           </a:p>

--- a/2D 게임 프로그래밍 1차발표.pptx
+++ b/2D 게임 프로그래밍 1차발표.pptx
@@ -6801,11 +6801,7 @@
           <a:p>
             <a:r>
               <a:rPr lang="ko-KR" altLang="en-US" dirty="0" smtClean="0"/>
-              <a:t>게임 </a:t>
-            </a:r>
-            <a:r>
-              <a:rPr lang="ko-KR" altLang="en-US" dirty="0" smtClean="0"/>
-              <a:t>화면 구성</a:t>
+              <a:t>게임 화면 구성</a:t>
             </a:r>
             <a:endParaRPr lang="ko-KR" altLang="en-US" dirty="0"/>
           </a:p>
@@ -7937,7 +7933,7 @@
             <p:ph idx="1"/>
             <p:extLst>
               <p:ext uri="{D42A27DB-BD31-4B8C-83A1-F6EECF244321}">
-                <p14:modId xmlns:p14="http://schemas.microsoft.com/office/powerpoint/2010/main" val="4191997623"/>
+                <p14:modId xmlns:p14="http://schemas.microsoft.com/office/powerpoint/2010/main" val="3703147228"/>
               </p:ext>
             </p:extLst>
           </p:nvPr>
@@ -8512,12 +8508,12 @@
                         <a:t>이하로 떨어질 때마다 </a:t>
                       </a:r>
                       <a:r>
-                        <a:rPr lang="en-US" altLang="ko-KR" sz="1400" baseline="0" dirty="0" smtClean="0"/>
+                        <a:rPr lang="en-US" altLang="ko-KR" sz="1400" baseline="0" smtClean="0"/>
                         <a:t>‘</a:t>
                       </a:r>
                       <a:r>
-                        <a:rPr lang="en-US" altLang="ko-KR" sz="1400" baseline="0" dirty="0" err="1" smtClean="0"/>
-                        <a:t>dager</a:t>
+                        <a:rPr lang="en-US" altLang="ko-KR" sz="1400" baseline="0" smtClean="0"/>
+                        <a:t>danger</a:t>
                       </a:r>
                       <a:r>
                         <a:rPr lang="en-US" altLang="ko-KR" sz="1400" baseline="0" dirty="0" smtClean="0"/>
